--- a/file/面试文档/07-设计模式与架构.pptx
+++ b/file/面试文档/07-设计模式与架构.pptx
@@ -1,25 +1,32 @@
 
 <file path=ppt/presentation.xml><?xml version="1.0" encoding="utf-8"?>
-<p:presentation xmlns:a="http://schemas.openxmlformats.org/drawingml/2006/main" xmlns:r="http://schemas.openxmlformats.org/officeDocument/2006/relationships" xmlns:p="http://schemas.openxmlformats.org/presentationml/2006/main" saveSubsetFonts="1">
+<p:presentation xmlns:a="http://schemas.openxmlformats.org/drawingml/2006/main" xmlns:r="http://schemas.openxmlformats.org/officeDocument/2006/relationships" xmlns:p="http://schemas.openxmlformats.org/presentationml/2006/main">
   <p:sldMasterIdLst>
     <p:sldMasterId id="2147483648" r:id="rId1"/>
   </p:sldMasterIdLst>
   <p:notesMasterIdLst>
-    <p:notesMasterId r:id="rId11"/>
+    <p:notesMasterId r:id="rId19"/>
   </p:notesMasterIdLst>
   <p:handoutMasterIdLst>
-    <p:handoutMasterId r:id="rId12"/>
+    <p:handoutMasterId r:id="rId20"/>
   </p:handoutMasterIdLst>
   <p:sldIdLst>
-    <p:sldId id="292" r:id="rId2"/>
-    <p:sldId id="293" r:id="rId3"/>
-    <p:sldId id="295" r:id="rId4"/>
-    <p:sldId id="300" r:id="rId5"/>
-    <p:sldId id="297" r:id="rId6"/>
-    <p:sldId id="298" r:id="rId7"/>
-    <p:sldId id="299" r:id="rId8"/>
-    <p:sldId id="301" r:id="rId9"/>
-    <p:sldId id="294" r:id="rId10"/>
+    <p:sldId id="292" r:id="rId3"/>
+    <p:sldId id="293" r:id="rId4"/>
+    <p:sldId id="295" r:id="rId5"/>
+    <p:sldId id="300" r:id="rId6"/>
+    <p:sldId id="297" r:id="rId7"/>
+    <p:sldId id="298" r:id="rId8"/>
+    <p:sldId id="299" r:id="rId9"/>
+    <p:sldId id="301" r:id="rId10"/>
+    <p:sldId id="294" r:id="rId11"/>
+    <p:sldId id="306" r:id="rId12"/>
+    <p:sldId id="310" r:id="rId13"/>
+    <p:sldId id="311" r:id="rId14"/>
+    <p:sldId id="312" r:id="rId15"/>
+    <p:sldId id="307" r:id="rId16"/>
+    <p:sldId id="308" r:id="rId17"/>
+    <p:sldId id="309" r:id="rId18"/>
   </p:sldIdLst>
   <p:sldSz cx="12192000" cy="6858000"/>
   <p:notesSz cx="6858000" cy="9144000"/>
@@ -136,73 +143,19 @@
             <p14:sldId id="299"/>
             <p14:sldId id="301"/>
             <p14:sldId id="294"/>
+            <p14:sldId id="306"/>
+            <p14:sldId id="310"/>
+            <p14:sldId id="311"/>
+            <p14:sldId id="312"/>
+            <p14:sldId id="307"/>
+            <p14:sldId id="308"/>
+            <p14:sldId id="309"/>
           </p14:sldIdLst>
         </p14:section>
       </p14:sectionLst>
     </p:ext>
-    <p:ext uri="{EFAFB233-063F-42B5-8137-9DF3F51BA10A}">
-      <p15:sldGuideLst xmlns:p15="http://schemas.microsoft.com/office/powerpoint/2012/main">
-        <p15:guide id="1" orient="horz" pos="2160" userDrawn="1">
-          <p15:clr>
-            <a:srgbClr val="A4A3A4"/>
-          </p15:clr>
-        </p15:guide>
-        <p15:guide id="2" pos="3840" userDrawn="1">
-          <p15:clr>
-            <a:srgbClr val="A4A3A4"/>
-          </p15:clr>
-        </p15:guide>
-        <p15:guide id="3" pos="1096" userDrawn="1">
-          <p15:clr>
-            <a:srgbClr val="A4A3A4"/>
-          </p15:clr>
-        </p15:guide>
-        <p15:guide id="4" orient="horz" pos="595" userDrawn="1">
-          <p15:clr>
-            <a:srgbClr val="A4A3A4"/>
-          </p15:clr>
-        </p15:guide>
-        <p15:guide id="5" orient="horz" pos="822" userDrawn="1">
-          <p15:clr>
-            <a:srgbClr val="A4A3A4"/>
-          </p15:clr>
-        </p15:guide>
-        <p15:guide id="6" orient="horz" pos="1480" userDrawn="1">
-          <p15:clr>
-            <a:srgbClr val="A4A3A4"/>
-          </p15:clr>
-        </p15:guide>
-        <p15:guide id="7" orient="horz" pos="2863" userDrawn="1">
-          <p15:clr>
-            <a:srgbClr val="A4A3A4"/>
-          </p15:clr>
-        </p15:guide>
-        <p15:guide id="8" pos="2547" userDrawn="1">
-          <p15:clr>
-            <a:srgbClr val="A4A3A4"/>
-          </p15:clr>
-        </p15:guide>
-        <p15:guide id="9" pos="5110" userDrawn="1">
-          <p15:clr>
-            <a:srgbClr val="A4A3A4"/>
-          </p15:clr>
-        </p15:guide>
-        <p15:guide id="10" pos="5111">
-          <p15:clr>
-            <a:srgbClr val="A4A3A4"/>
-          </p15:clr>
-        </p15:guide>
-      </p15:sldGuideLst>
-    </p:ext>
-    <p:ext uri="{2D200454-40CA-4A62-9FC3-DE9A4176ACB9}">
-      <p15:notesGuideLst xmlns:p15="http://schemas.microsoft.com/office/powerpoint/2012/main"/>
-    </p:ext>
   </p:extLst>
 </p:presentation>
-</file>
-
-<file path=ppt/revisionInfo.xml><?xml version="1.0" encoding="utf-8"?>
-<p1510:revInfo xmlns:a="http://schemas.openxmlformats.org/drawingml/2006/main" xmlns:r="http://schemas.openxmlformats.org/officeDocument/2006/relationships" xmlns:p1510="http://schemas.microsoft.com/office/powerpoint/2015/10/main"/>
 </file>
 
 <file path=ppt/handoutMasters/handoutMaster1.xml><?xml version="1.0" encoding="utf-8"?>
@@ -229,13 +182,7 @@
       </p:grpSpPr>
       <p:sp>
         <p:nvSpPr>
-          <p:cNvPr id="2" name="页眉占位符 1">
-            <a:extLst>
-              <a:ext uri="{FF2B5EF4-FFF2-40B4-BE49-F238E27FC236}">
-                <a16:creationId xmlns:a16="http://schemas.microsoft.com/office/drawing/2014/main" xmlns="" id="{AFCBEEA2-BF04-4625-9D90-F4291A119A41}"/>
-              </a:ext>
-            </a:extLst>
-          </p:cNvPr>
+          <p:cNvPr id="2" name="页眉占位符 1"/>
           <p:cNvSpPr>
             <a:spLocks noGrp="1"/>
           </p:cNvSpPr>
@@ -266,13 +213,7 @@
       </p:sp>
       <p:sp>
         <p:nvSpPr>
-          <p:cNvPr id="3" name="日期占位符 2">
-            <a:extLst>
-              <a:ext uri="{FF2B5EF4-FFF2-40B4-BE49-F238E27FC236}">
-                <a16:creationId xmlns:a16="http://schemas.microsoft.com/office/drawing/2014/main" xmlns="" id="{7691C78A-5A0F-4F2E-9C48-9BEEFCC112A7}"/>
-              </a:ext>
-            </a:extLst>
-          </p:cNvPr>
+          <p:cNvPr id="3" name="日期占位符 2"/>
           <p:cNvSpPr>
             <a:spLocks noGrp="1"/>
           </p:cNvSpPr>
@@ -299,7 +240,6 @@
           <a:p>
             <a:fld id="{2B87634C-074B-4260-9010-E574428551B5}" type="datetimeFigureOut">
               <a:rPr lang="zh-CN" altLang="en-US" smtClean="0"/>
-              <a:t>2018/7/11</a:t>
             </a:fld>
             <a:endParaRPr lang="zh-CN" altLang="en-US"/>
           </a:p>
@@ -307,13 +247,7 @@
       </p:sp>
       <p:sp>
         <p:nvSpPr>
-          <p:cNvPr id="4" name="页脚占位符 3">
-            <a:extLst>
-              <a:ext uri="{FF2B5EF4-FFF2-40B4-BE49-F238E27FC236}">
-                <a16:creationId xmlns:a16="http://schemas.microsoft.com/office/drawing/2014/main" xmlns="" id="{0CD4B301-C1F1-4488-BE41-C37374152C4E}"/>
-              </a:ext>
-            </a:extLst>
-          </p:cNvPr>
+          <p:cNvPr id="4" name="页脚占位符 3"/>
           <p:cNvSpPr>
             <a:spLocks noGrp="1"/>
           </p:cNvSpPr>
@@ -344,13 +278,7 @@
       </p:sp>
       <p:sp>
         <p:nvSpPr>
-          <p:cNvPr id="5" name="灯片编号占位符 4">
-            <a:extLst>
-              <a:ext uri="{FF2B5EF4-FFF2-40B4-BE49-F238E27FC236}">
-                <a16:creationId xmlns:a16="http://schemas.microsoft.com/office/drawing/2014/main" xmlns="" id="{9927E0BC-A1AC-4B31-B1CD-ECA55CA19D86}"/>
-              </a:ext>
-            </a:extLst>
-          </p:cNvPr>
+          <p:cNvPr id="5" name="灯片编号占位符 4"/>
           <p:cNvSpPr>
             <a:spLocks noGrp="1"/>
           </p:cNvSpPr>
@@ -377,18 +305,12 @@
           <a:p>
             <a:fld id="{83A7C4FF-9C5A-4350-A3CE-CE48C6E745E4}" type="slidenum">
               <a:rPr lang="zh-CN" altLang="en-US" smtClean="0"/>
-              <a:t>‹#›</a:t>
             </a:fld>
             <a:endParaRPr lang="zh-CN" altLang="en-US"/>
           </a:p>
         </p:txBody>
       </p:sp>
     </p:spTree>
-    <p:extLst>
-      <p:ext uri="{BB962C8B-B14F-4D97-AF65-F5344CB8AC3E}">
-        <p14:creationId xmlns:p14="http://schemas.microsoft.com/office/powerpoint/2010/main" val="1489131153"/>
-      </p:ext>
-    </p:extLst>
   </p:cSld>
   <p:clrMap bg1="lt1" tx1="dk1" bg2="lt2" tx2="dk2" accent1="accent1" accent2="accent2" accent3="accent3" accent4="accent4" accent5="accent5" accent6="accent6" hlink="hlink" folHlink="folHlink"/>
 </p:handoutMaster>
@@ -476,7 +398,6 @@
           <a:p>
             <a:fld id="{C25591C1-7BBD-4BAD-9912-0ADD21A74F01}" type="datetimeFigureOut">
               <a:rPr lang="zh-CN" altLang="en-US" smtClean="0"/>
-              <a:t>2018/7/11</a:t>
             </a:fld>
             <a:endParaRPr lang="zh-CN" altLang="en-US"/>
           </a:p>
@@ -543,6 +464,7 @@
               <a:rPr lang="zh-CN" altLang="en-US"/>
               <a:t>单击此处编辑母版文本样式</a:t>
             </a:r>
+            <a:endParaRPr lang="zh-CN" altLang="en-US"/>
           </a:p>
           <a:p>
             <a:pPr lvl="1"/>
@@ -550,6 +472,7 @@
               <a:rPr lang="zh-CN" altLang="en-US"/>
               <a:t>第二级</a:t>
             </a:r>
+            <a:endParaRPr lang="zh-CN" altLang="en-US"/>
           </a:p>
           <a:p>
             <a:pPr lvl="2"/>
@@ -557,6 +480,7 @@
               <a:rPr lang="zh-CN" altLang="en-US"/>
               <a:t>第三级</a:t>
             </a:r>
+            <a:endParaRPr lang="zh-CN" altLang="en-US"/>
           </a:p>
           <a:p>
             <a:pPr lvl="3"/>
@@ -564,6 +488,7 @@
               <a:rPr lang="zh-CN" altLang="en-US"/>
               <a:t>第四级</a:t>
             </a:r>
+            <a:endParaRPr lang="zh-CN" altLang="en-US"/>
           </a:p>
           <a:p>
             <a:pPr lvl="4"/>
@@ -571,6 +496,7 @@
               <a:rPr lang="zh-CN" altLang="en-US"/>
               <a:t>第五级</a:t>
             </a:r>
+            <a:endParaRPr lang="zh-CN" altLang="en-US"/>
           </a:p>
         </p:txBody>
       </p:sp>
@@ -634,18 +560,12 @@
           <a:p>
             <a:fld id="{B8733780-C451-4576-A162-3E5813E9C151}" type="slidenum">
               <a:rPr lang="zh-CN" altLang="en-US" smtClean="0"/>
-              <a:t>‹#›</a:t>
             </a:fld>
             <a:endParaRPr lang="zh-CN" altLang="en-US"/>
           </a:p>
         </p:txBody>
       </p:sp>
     </p:spTree>
-    <p:extLst>
-      <p:ext uri="{BB962C8B-B14F-4D97-AF65-F5344CB8AC3E}">
-        <p14:creationId xmlns:p14="http://schemas.microsoft.com/office/powerpoint/2010/main" val="336252339"/>
-      </p:ext>
-    </p:extLst>
   </p:cSld>
   <p:clrMap bg1="lt1" tx1="dk1" bg2="lt2" tx2="dk2" accent1="accent1" accent2="accent2" accent3="accent3" accent4="accent4" accent5="accent5" accent6="accent6" hlink="hlink" folHlink="folHlink"/>
   <p:notesStyle>
@@ -762,13 +682,7 @@
       </p:grpSpPr>
       <p:pic>
         <p:nvPicPr>
-          <p:cNvPr id="9" name="图片 6">
-            <a:extLst>
-              <a:ext uri="{FF2B5EF4-FFF2-40B4-BE49-F238E27FC236}">
-                <a16:creationId xmlns:a16="http://schemas.microsoft.com/office/drawing/2014/main" xmlns="" id="{F619AC0B-D093-4B29-BED5-E396B58FD119}"/>
-              </a:ext>
-            </a:extLst>
-          </p:cNvPr>
+          <p:cNvPr id="9" name="图片 6"/>
           <p:cNvPicPr>
             <a:picLocks noChangeAspect="1"/>
           </p:cNvPicPr>
@@ -796,13 +710,7 @@
       </p:pic>
       <p:pic>
         <p:nvPicPr>
-          <p:cNvPr id="10" name="图片 1">
-            <a:extLst>
-              <a:ext uri="{FF2B5EF4-FFF2-40B4-BE49-F238E27FC236}">
-                <a16:creationId xmlns:a16="http://schemas.microsoft.com/office/drawing/2014/main" xmlns="" id="{EC130C9D-3B92-4E92-AF34-4C37ACD51527}"/>
-              </a:ext>
-            </a:extLst>
-          </p:cNvPr>
+          <p:cNvPr id="10" name="图片 1"/>
           <p:cNvPicPr>
             <a:picLocks noChangeAspect="1"/>
           </p:cNvPicPr>
@@ -830,13 +738,7 @@
       </p:pic>
       <p:sp>
         <p:nvSpPr>
-          <p:cNvPr id="11" name="矩形 25">
-            <a:extLst>
-              <a:ext uri="{FF2B5EF4-FFF2-40B4-BE49-F238E27FC236}">
-                <a16:creationId xmlns:a16="http://schemas.microsoft.com/office/drawing/2014/main" xmlns="" id="{36BA4FD9-4EAF-40CB-91E3-48F885239803}"/>
-              </a:ext>
-            </a:extLst>
-          </p:cNvPr>
+          <p:cNvPr id="11" name="矩形 25"/>
           <p:cNvSpPr/>
           <p:nvPr userDrawn="1"/>
         </p:nvSpPr>
@@ -902,13 +804,7 @@
       </p:sp>
       <p:sp>
         <p:nvSpPr>
-          <p:cNvPr id="5" name="标题 1">
-            <a:extLst>
-              <a:ext uri="{FF2B5EF4-FFF2-40B4-BE49-F238E27FC236}">
-                <a16:creationId xmlns:a16="http://schemas.microsoft.com/office/drawing/2014/main" xmlns="" id="{E772C4B5-AB4E-43B0-B717-25071084FD9A}"/>
-              </a:ext>
-            </a:extLst>
-          </p:cNvPr>
+          <p:cNvPr id="5" name="标题 1"/>
           <p:cNvSpPr>
             <a:spLocks noGrp="1"/>
           </p:cNvSpPr>
@@ -939,23 +835,18 @@
               <a:rPr lang="zh-CN" altLang="en-US"/>
               <a:t>单击此处编辑母版标题样式</a:t>
             </a:r>
+            <a:endParaRPr lang="zh-CN" altLang="en-US"/>
           </a:p>
         </p:txBody>
       </p:sp>
       <p:sp>
         <p:nvSpPr>
-          <p:cNvPr id="6" name="副标题 2">
-            <a:extLst>
-              <a:ext uri="{FF2B5EF4-FFF2-40B4-BE49-F238E27FC236}">
-                <a16:creationId xmlns:a16="http://schemas.microsoft.com/office/drawing/2014/main" xmlns="" id="{B401CC44-47BA-4904-A587-245165E74651}"/>
-              </a:ext>
-            </a:extLst>
-          </p:cNvPr>
+          <p:cNvPr id="6" name="副标题 2"/>
           <p:cNvSpPr>
             <a:spLocks noGrp="1"/>
           </p:cNvSpPr>
           <p:nvPr>
-            <p:ph type="subTitle" idx="1"/>
+            <p:ph type="subTitle" idx="1" hasCustomPrompt="1"/>
           </p:nvPr>
         </p:nvSpPr>
         <p:spPr>
@@ -1020,15 +911,11 @@
               <a:rPr lang="zh-CN" altLang="en-US"/>
               <a:t>单击以编辑母版副标题样式</a:t>
             </a:r>
+            <a:endParaRPr lang="zh-CN" altLang="en-US"/>
           </a:p>
         </p:txBody>
       </p:sp>
     </p:spTree>
-    <p:extLst>
-      <p:ext uri="{BB962C8B-B14F-4D97-AF65-F5344CB8AC3E}">
-        <p14:creationId xmlns:p14="http://schemas.microsoft.com/office/powerpoint/2010/main" val="3063225040"/>
-      </p:ext>
-    </p:extLst>
   </p:cSld>
   <p:clrMapOvr>
     <a:masterClrMapping/>
@@ -1055,13 +942,7 @@
       </p:grpSpPr>
       <p:pic>
         <p:nvPicPr>
-          <p:cNvPr id="9" name="图片 5">
-            <a:extLst>
-              <a:ext uri="{FF2B5EF4-FFF2-40B4-BE49-F238E27FC236}">
-                <a16:creationId xmlns:a16="http://schemas.microsoft.com/office/drawing/2014/main" xmlns="" id="{F612FBBA-ABAE-4812-AAB2-77CA48D54191}"/>
-              </a:ext>
-            </a:extLst>
-          </p:cNvPr>
+          <p:cNvPr id="9" name="图片 5"/>
           <p:cNvPicPr>
             <a:picLocks noChangeAspect="1"/>
           </p:cNvPicPr>
@@ -1089,13 +970,7 @@
       </p:pic>
       <p:sp>
         <p:nvSpPr>
-          <p:cNvPr id="11" name="矩形 29">
-            <a:extLst>
-              <a:ext uri="{FF2B5EF4-FFF2-40B4-BE49-F238E27FC236}">
-                <a16:creationId xmlns:a16="http://schemas.microsoft.com/office/drawing/2014/main" xmlns="" id="{89038A74-5A1B-45B4-AA7D-C9934D2FDABC}"/>
-              </a:ext>
-            </a:extLst>
-          </p:cNvPr>
+          <p:cNvPr id="11" name="矩形 29"/>
           <p:cNvSpPr/>
           <p:nvPr userDrawn="1"/>
         </p:nvSpPr>
@@ -1134,13 +1009,7 @@
       </p:sp>
       <p:pic>
         <p:nvPicPr>
-          <p:cNvPr id="12" name="图片 1">
-            <a:extLst>
-              <a:ext uri="{FF2B5EF4-FFF2-40B4-BE49-F238E27FC236}">
-                <a16:creationId xmlns:a16="http://schemas.microsoft.com/office/drawing/2014/main" xmlns="" id="{DB3FFE7C-0303-4D2A-9F24-474FCCD761CB}"/>
-              </a:ext>
-            </a:extLst>
-          </p:cNvPr>
+          <p:cNvPr id="12" name="图片 1"/>
           <p:cNvPicPr>
             <a:picLocks noChangeAspect="1"/>
           </p:cNvPicPr>
@@ -1168,13 +1037,7 @@
       </p:pic>
       <p:sp>
         <p:nvSpPr>
-          <p:cNvPr id="8" name="标题占位符 1">
-            <a:extLst>
-              <a:ext uri="{FF2B5EF4-FFF2-40B4-BE49-F238E27FC236}">
-                <a16:creationId xmlns:a16="http://schemas.microsoft.com/office/drawing/2014/main" xmlns="" id="{F3C067B8-78E3-4D7C-B8BF-D55591977898}"/>
-              </a:ext>
-            </a:extLst>
-          </p:cNvPr>
+          <p:cNvPr id="8" name="标题占位符 1"/>
           <p:cNvSpPr>
             <a:spLocks noGrp="1"/>
           </p:cNvSpPr>
@@ -1215,18 +1078,13 @@
               <a:rPr lang="zh-CN" altLang="en-US"/>
               <a:t>单击此处编辑母版标题样式</a:t>
             </a:r>
+            <a:endParaRPr lang="zh-CN" altLang="en-US"/>
           </a:p>
         </p:txBody>
       </p:sp>
       <p:sp>
         <p:nvSpPr>
-          <p:cNvPr id="13" name="内容占位符 2">
-            <a:extLst>
-              <a:ext uri="{FF2B5EF4-FFF2-40B4-BE49-F238E27FC236}">
-                <a16:creationId xmlns:a16="http://schemas.microsoft.com/office/drawing/2014/main" xmlns="" id="{E8B5E84D-8FAC-4FA6-9CA7-55579F675DFC}"/>
-              </a:ext>
-            </a:extLst>
-          </p:cNvPr>
+          <p:cNvPr id="13" name="内容占位符 2"/>
           <p:cNvSpPr>
             <a:spLocks noGrp="1"/>
           </p:cNvSpPr>
@@ -1337,6 +1195,7 @@
               <a:rPr lang="zh-CN" altLang="en-US"/>
               <a:t>编辑版文本样式</a:t>
             </a:r>
+            <a:endParaRPr lang="zh-CN" altLang="en-US"/>
           </a:p>
           <a:p>
             <a:pPr lvl="1"/>
@@ -1344,6 +1203,7 @@
               <a:rPr lang="zh-CN" altLang="en-US"/>
               <a:t>第二级</a:t>
             </a:r>
+            <a:endParaRPr lang="zh-CN" altLang="en-US"/>
           </a:p>
           <a:p>
             <a:pPr lvl="2"/>
@@ -1351,6 +1211,7 @@
               <a:rPr lang="zh-CN" altLang="en-US"/>
               <a:t>第三级</a:t>
             </a:r>
+            <a:endParaRPr lang="zh-CN" altLang="en-US"/>
           </a:p>
           <a:p>
             <a:pPr lvl="3"/>
@@ -1358,6 +1219,7 @@
               <a:rPr lang="zh-CN" altLang="en-US"/>
               <a:t>第四级</a:t>
             </a:r>
+            <a:endParaRPr lang="zh-CN" altLang="en-US"/>
           </a:p>
           <a:p>
             <a:pPr lvl="4"/>
@@ -1365,15 +1227,11 @@
               <a:rPr lang="zh-CN" altLang="en-US"/>
               <a:t>第五级</a:t>
             </a:r>
+            <a:endParaRPr lang="zh-CN" altLang="en-US"/>
           </a:p>
         </p:txBody>
       </p:sp>
     </p:spTree>
-    <p:extLst>
-      <p:ext uri="{BB962C8B-B14F-4D97-AF65-F5344CB8AC3E}">
-        <p14:creationId xmlns:p14="http://schemas.microsoft.com/office/powerpoint/2010/main" val="4056342853"/>
-      </p:ext>
-    </p:extLst>
   </p:cSld>
   <p:clrMapOvr>
     <a:masterClrMapping/>
@@ -1432,6 +1290,7 @@
               <a:rPr lang="zh-CN" altLang="en-US"/>
               <a:t>单击此处编辑母版标题样式</a:t>
             </a:r>
+            <a:endParaRPr lang="zh-CN" altLang="en-US"/>
           </a:p>
         </p:txBody>
       </p:sp>
@@ -1465,6 +1324,7 @@
               <a:rPr lang="zh-CN" altLang="en-US"/>
               <a:t>单击此处编辑母版文本样式</a:t>
             </a:r>
+            <a:endParaRPr lang="zh-CN" altLang="en-US"/>
           </a:p>
           <a:p>
             <a:pPr lvl="1"/>
@@ -1472,6 +1332,7 @@
               <a:rPr lang="zh-CN" altLang="en-US"/>
               <a:t>第二级</a:t>
             </a:r>
+            <a:endParaRPr lang="zh-CN" altLang="en-US"/>
           </a:p>
           <a:p>
             <a:pPr lvl="2"/>
@@ -1479,6 +1340,7 @@
               <a:rPr lang="zh-CN" altLang="en-US"/>
               <a:t>第三级</a:t>
             </a:r>
+            <a:endParaRPr lang="zh-CN" altLang="en-US"/>
           </a:p>
           <a:p>
             <a:pPr lvl="3"/>
@@ -1486,6 +1348,7 @@
               <a:rPr lang="zh-CN" altLang="en-US"/>
               <a:t>第四级</a:t>
             </a:r>
+            <a:endParaRPr lang="zh-CN" altLang="en-US"/>
           </a:p>
           <a:p>
             <a:pPr lvl="4"/>
@@ -1493,6 +1356,7 @@
               <a:rPr lang="zh-CN" altLang="en-US"/>
               <a:t>第五级</a:t>
             </a:r>
+            <a:endParaRPr lang="zh-CN" altLang="en-US"/>
           </a:p>
         </p:txBody>
       </p:sp>
@@ -1531,7 +1395,6 @@
           <a:p>
             <a:fld id="{72D8E73B-0927-45CC-BC19-B5A752C4C781}" type="datetimeFigureOut">
               <a:rPr lang="zh-CN" altLang="en-US" smtClean="0"/>
-              <a:t>2018/7/11</a:t>
             </a:fld>
             <a:endParaRPr lang="zh-CN" altLang="en-US"/>
           </a:p>
@@ -1609,23 +1472,17 @@
           <a:p>
             <a:fld id="{30811428-941F-4F39-9F0C-B1B29E093D2F}" type="slidenum">
               <a:rPr lang="zh-CN" altLang="en-US" smtClean="0"/>
-              <a:t>‹#›</a:t>
             </a:fld>
             <a:endParaRPr lang="zh-CN" altLang="en-US"/>
           </a:p>
         </p:txBody>
       </p:sp>
     </p:spTree>
-    <p:extLst>
-      <p:ext uri="{BB962C8B-B14F-4D97-AF65-F5344CB8AC3E}">
-        <p14:creationId xmlns:p14="http://schemas.microsoft.com/office/powerpoint/2010/main" val="349651624"/>
-      </p:ext>
-    </p:extLst>
   </p:cSld>
   <p:clrMap bg1="lt1" tx1="dk1" bg2="lt2" tx2="dk2" accent1="accent1" accent2="accent2" accent3="accent3" accent4="accent4" accent5="accent5" accent6="accent6" hlink="hlink" folHlink="folHlink"/>
   <p:sldLayoutIdLst>
     <p:sldLayoutId id="2147483649" r:id="rId1"/>
-    <p:sldLayoutId id="2147483655" r:id="rId2"/>
+    <p:sldLayoutId id="2147483650" r:id="rId2"/>
   </p:sldLayoutIdLst>
   <p:txStyles>
     <p:titleStyle>
@@ -1655,7 +1512,7 @@
         <a:spcBef>
           <a:spcPts val="1000"/>
         </a:spcBef>
-        <a:buFont typeface="Arial" panose="020B0604020202020204" pitchFamily="34" charset="0"/>
+        <a:buFont typeface="Arial" panose="020B0604020202090204" pitchFamily="34" charset="0"/>
         <a:buChar char="•"/>
         <a:defRPr sz="2800" kern="1200">
           <a:solidFill>
@@ -1673,7 +1530,7 @@
         <a:spcBef>
           <a:spcPts val="500"/>
         </a:spcBef>
-        <a:buFont typeface="Arial" panose="020B0604020202020204" pitchFamily="34" charset="0"/>
+        <a:buFont typeface="Arial" panose="020B0604020202090204" pitchFamily="34" charset="0"/>
         <a:buChar char="•"/>
         <a:defRPr sz="2400" kern="1200">
           <a:solidFill>
@@ -1691,7 +1548,7 @@
         <a:spcBef>
           <a:spcPts val="500"/>
         </a:spcBef>
-        <a:buFont typeface="Arial" panose="020B0604020202020204" pitchFamily="34" charset="0"/>
+        <a:buFont typeface="Arial" panose="020B0604020202090204" pitchFamily="34" charset="0"/>
         <a:buChar char="•"/>
         <a:defRPr sz="2000" kern="1200">
           <a:solidFill>
@@ -1709,7 +1566,7 @@
         <a:spcBef>
           <a:spcPts val="500"/>
         </a:spcBef>
-        <a:buFont typeface="Arial" panose="020B0604020202020204" pitchFamily="34" charset="0"/>
+        <a:buFont typeface="Arial" panose="020B0604020202090204" pitchFamily="34" charset="0"/>
         <a:buChar char="•"/>
         <a:defRPr sz="1800" kern="1200">
           <a:solidFill>
@@ -1727,7 +1584,7 @@
         <a:spcBef>
           <a:spcPts val="500"/>
         </a:spcBef>
-        <a:buFont typeface="Arial" panose="020B0604020202020204" pitchFamily="34" charset="0"/>
+        <a:buFont typeface="Arial" panose="020B0604020202090204" pitchFamily="34" charset="0"/>
         <a:buChar char="•"/>
         <a:defRPr sz="1800" kern="1200">
           <a:solidFill>
@@ -1745,7 +1602,7 @@
         <a:spcBef>
           <a:spcPts val="500"/>
         </a:spcBef>
-        <a:buFont typeface="Arial" panose="020B0604020202020204" pitchFamily="34" charset="0"/>
+        <a:buFont typeface="Arial" panose="020B0604020202090204" pitchFamily="34" charset="0"/>
         <a:buChar char="•"/>
         <a:defRPr sz="1800" kern="1200">
           <a:solidFill>
@@ -1763,7 +1620,7 @@
         <a:spcBef>
           <a:spcPts val="500"/>
         </a:spcBef>
-        <a:buFont typeface="Arial" panose="020B0604020202020204" pitchFamily="34" charset="0"/>
+        <a:buFont typeface="Arial" panose="020B0604020202090204" pitchFamily="34" charset="0"/>
         <a:buChar char="•"/>
         <a:defRPr sz="1800" kern="1200">
           <a:solidFill>
@@ -1781,7 +1638,7 @@
         <a:spcBef>
           <a:spcPts val="500"/>
         </a:spcBef>
-        <a:buFont typeface="Arial" panose="020B0604020202020204" pitchFamily="34" charset="0"/>
+        <a:buFont typeface="Arial" panose="020B0604020202090204" pitchFamily="34" charset="0"/>
         <a:buChar char="•"/>
         <a:defRPr sz="1800" kern="1200">
           <a:solidFill>
@@ -1799,7 +1656,7 @@
         <a:spcBef>
           <a:spcPts val="500"/>
         </a:spcBef>
-        <a:buFont typeface="Arial" panose="020B0604020202020204" pitchFamily="34" charset="0"/>
+        <a:buFont typeface="Arial" panose="020B0604020202090204" pitchFamily="34" charset="0"/>
         <a:buChar char="•"/>
         <a:defRPr sz="1800" kern="1200">
           <a:solidFill>
@@ -1929,13 +1786,7 @@
       </p:grpSpPr>
       <p:sp>
         <p:nvSpPr>
-          <p:cNvPr id="2" name="标题 1">
-            <a:extLst>
-              <a:ext uri="{FF2B5EF4-FFF2-40B4-BE49-F238E27FC236}">
-                <a16:creationId xmlns="" xmlns:a16="http://schemas.microsoft.com/office/drawing/2014/main" id="{355D2A8A-4D20-46E7-AB5F-6F0B875B77E9}"/>
-              </a:ext>
-            </a:extLst>
-          </p:cNvPr>
+          <p:cNvPr id="2" name="标题 1"/>
           <p:cNvSpPr>
             <a:spLocks noGrp="1"/>
           </p:cNvSpPr>
@@ -1954,18 +1805,13 @@
               <a:rPr lang="zh-CN" altLang="en-US"/>
               <a:t>设计模式与架构</a:t>
             </a:r>
+            <a:endParaRPr lang="zh-CN" altLang="en-US"/>
           </a:p>
         </p:txBody>
       </p:sp>
       <p:sp>
         <p:nvSpPr>
-          <p:cNvPr id="3" name="副标题 2">
-            <a:extLst>
-              <a:ext uri="{FF2B5EF4-FFF2-40B4-BE49-F238E27FC236}">
-                <a16:creationId xmlns="" xmlns:a16="http://schemas.microsoft.com/office/drawing/2014/main" id="{F8E18B87-7327-4283-B60A-4EF5B1BB4F6D}"/>
-              </a:ext>
-            </a:extLst>
-          </p:cNvPr>
+          <p:cNvPr id="3" name="副标题 2"/>
           <p:cNvSpPr>
             <a:spLocks noGrp="1"/>
           </p:cNvSpPr>
@@ -1998,16 +1844,8 @@
       </p:sp>
       <p:sp>
         <p:nvSpPr>
-          <p:cNvPr id="4" name="副标题 2">
-            <a:extLst>
-              <a:ext uri="{FF2B5EF4-FFF2-40B4-BE49-F238E27FC236}">
-                <a16:creationId xmlns:a16="http://schemas.microsoft.com/office/drawing/2014/main" xmlns="" id="{F8E18B87-7327-4283-B60A-4EF5B1BB4F6D}"/>
-              </a:ext>
-            </a:extLst>
-          </p:cNvPr>
-          <p:cNvSpPr txBox="1">
-            <a:spLocks/>
-          </p:cNvSpPr>
+          <p:cNvPr id="4" name="副标题 2"/>
+          <p:cNvSpPr txBox="1"/>
           <p:nvPr/>
         </p:nvSpPr>
         <p:spPr>
@@ -2031,7 +1869,7 @@
               <a:spcBef>
                 <a:spcPts val="1000"/>
               </a:spcBef>
-              <a:buFont typeface="Arial" panose="020B0604020202020204" pitchFamily="34" charset="0"/>
+              <a:buFont typeface="Arial" panose="020B0604020202090204" pitchFamily="34" charset="0"/>
               <a:buNone/>
               <a:defRPr sz="2800" b="1" kern="1200">
                 <a:solidFill>
@@ -2052,7 +1890,7 @@
               <a:spcBef>
                 <a:spcPts val="500"/>
               </a:spcBef>
-              <a:buFont typeface="Arial" panose="020B0604020202020204" pitchFamily="34" charset="0"/>
+              <a:buFont typeface="Arial" panose="020B0604020202090204" pitchFamily="34" charset="0"/>
               <a:buNone/>
               <a:defRPr sz="2000" kern="1200">
                 <a:solidFill>
@@ -2070,7 +1908,7 @@
               <a:spcBef>
                 <a:spcPts val="500"/>
               </a:spcBef>
-              <a:buFont typeface="Arial" panose="020B0604020202020204" pitchFamily="34" charset="0"/>
+              <a:buFont typeface="Arial" panose="020B0604020202090204" pitchFamily="34" charset="0"/>
               <a:buNone/>
               <a:defRPr sz="1800" kern="1200">
                 <a:solidFill>
@@ -2088,7 +1926,7 @@
               <a:spcBef>
                 <a:spcPts val="500"/>
               </a:spcBef>
-              <a:buFont typeface="Arial" panose="020B0604020202020204" pitchFamily="34" charset="0"/>
+              <a:buFont typeface="Arial" panose="020B0604020202090204" pitchFamily="34" charset="0"/>
               <a:buNone/>
               <a:defRPr sz="1600" kern="1200">
                 <a:solidFill>
@@ -2106,7 +1944,7 @@
               <a:spcBef>
                 <a:spcPts val="500"/>
               </a:spcBef>
-              <a:buFont typeface="Arial" panose="020B0604020202020204" pitchFamily="34" charset="0"/>
+              <a:buFont typeface="Arial" panose="020B0604020202090204" pitchFamily="34" charset="0"/>
               <a:buNone/>
               <a:defRPr sz="1600" kern="1200">
                 <a:solidFill>
@@ -2124,7 +1962,7 @@
               <a:spcBef>
                 <a:spcPts val="500"/>
               </a:spcBef>
-              <a:buFont typeface="Arial" panose="020B0604020202020204" pitchFamily="34" charset="0"/>
+              <a:buFont typeface="Arial" panose="020B0604020202090204" pitchFamily="34" charset="0"/>
               <a:buNone/>
               <a:defRPr sz="1600" kern="1200">
                 <a:solidFill>
@@ -2142,7 +1980,7 @@
               <a:spcBef>
                 <a:spcPts val="500"/>
               </a:spcBef>
-              <a:buFont typeface="Arial" panose="020B0604020202020204" pitchFamily="34" charset="0"/>
+              <a:buFont typeface="Arial" panose="020B0604020202090204" pitchFamily="34" charset="0"/>
               <a:buNone/>
               <a:defRPr sz="1600" kern="1200">
                 <a:solidFill>
@@ -2160,7 +1998,7 @@
               <a:spcBef>
                 <a:spcPts val="500"/>
               </a:spcBef>
-              <a:buFont typeface="Arial" panose="020B0604020202020204" pitchFamily="34" charset="0"/>
+              <a:buFont typeface="Arial" panose="020B0604020202090204" pitchFamily="34" charset="0"/>
               <a:buNone/>
               <a:defRPr sz="1600" kern="1200">
                 <a:solidFill>
@@ -2178,7 +2016,7 @@
               <a:spcBef>
                 <a:spcPts val="500"/>
               </a:spcBef>
-              <a:buFont typeface="Arial" panose="020B0604020202020204" pitchFamily="34" charset="0"/>
+              <a:buFont typeface="Arial" panose="020B0604020202090204" pitchFamily="34" charset="0"/>
               <a:buNone/>
               <a:defRPr sz="1600" kern="1200">
                 <a:solidFill>
@@ -2195,15 +2033,11 @@
               <a:rPr lang="en-US" altLang="zh-CN" sz="1800" b="0"/>
               <a:t>https://github.com/CoderMJLee</a:t>
             </a:r>
+            <a:endParaRPr lang="en-US" altLang="zh-CN" sz="1800" b="0"/>
           </a:p>
         </p:txBody>
       </p:sp>
     </p:spTree>
-    <p:extLst>
-      <p:ext uri="{BB962C8B-B14F-4D97-AF65-F5344CB8AC3E}">
-        <p14:creationId xmlns:p14="http://schemas.microsoft.com/office/powerpoint/2010/main" val="453187794"/>
-      </p:ext>
-    </p:extLst>
   </p:cSld>
   <p:clrMapOvr>
     <a:masterClrMapping/>
@@ -2212,6 +2046,2332 @@
     <p:tnLst>
       <p:par>
         <p:cTn id="1" dur="indefinite" restart="never" nodeType="tmRoot"/>
+      </p:par>
+    </p:tnLst>
+  </p:timing>
+</p:sld>
+</file>
+
+<file path=ppt/slides/slide10.xml><?xml version="1.0" encoding="utf-8"?>
+<p:sld xmlns:a="http://schemas.openxmlformats.org/drawingml/2006/main" xmlns:r="http://schemas.openxmlformats.org/officeDocument/2006/relationships" xmlns:p="http://schemas.openxmlformats.org/presentationml/2006/main">
+  <p:cSld>
+    <p:spTree>
+      <p:nvGrpSpPr>
+        <p:cNvPr id="1" name=""/>
+        <p:cNvGrpSpPr/>
+        <p:nvPr/>
+      </p:nvGrpSpPr>
+      <p:grpSpPr>
+        <a:xfrm>
+          <a:off x="0" y="0"/>
+          <a:ext cx="0" cy="0"/>
+          <a:chOff x="0" y="0"/>
+          <a:chExt cx="0" cy="0"/>
+        </a:xfrm>
+      </p:grpSpPr>
+      <p:sp>
+        <p:nvSpPr>
+          <p:cNvPr id="4" name="标题 3"/>
+          <p:cNvSpPr>
+            <a:spLocks noGrp="1"/>
+          </p:cNvSpPr>
+          <p:nvPr>
+            <p:ph type="title"/>
+          </p:nvPr>
+        </p:nvSpPr>
+        <p:spPr/>
+        <p:txBody>
+          <a:bodyPr/>
+          <a:lstStyle/>
+          <a:p>
+            <a:r>
+              <a:rPr lang="zh-CN" altLang="en-US"/>
+              <a:t>设计模式</a:t>
+            </a:r>
+            <a:r>
+              <a:rPr lang="en-US" altLang="zh-CN"/>
+              <a:t>-</a:t>
+            </a:r>
+            <a:r>
+              <a:t>工厂模式</a:t>
+            </a:r>
+          </a:p>
+        </p:txBody>
+      </p:sp>
+      <p:pic>
+        <p:nvPicPr>
+          <p:cNvPr id="5" name="图片 4"/>
+          <p:cNvPicPr>
+            <a:picLocks noChangeAspect="1"/>
+          </p:cNvPicPr>
+          <p:nvPr/>
+        </p:nvPicPr>
+        <p:blipFill>
+          <a:blip r:embed="rId1"/>
+          <a:stretch>
+            <a:fillRect/>
+          </a:stretch>
+        </p:blipFill>
+        <p:spPr>
+          <a:xfrm>
+            <a:off x="1236980" y="1340485"/>
+            <a:ext cx="3671570" cy="2289175"/>
+          </a:xfrm>
+          <a:prstGeom prst="rect">
+            <a:avLst/>
+          </a:prstGeom>
+        </p:spPr>
+      </p:pic>
+      <p:pic>
+        <p:nvPicPr>
+          <p:cNvPr id="6" name="图片 5"/>
+          <p:cNvPicPr>
+            <a:picLocks noChangeAspect="1"/>
+          </p:cNvPicPr>
+          <p:nvPr/>
+        </p:nvPicPr>
+        <p:blipFill>
+          <a:blip r:embed="rId2"/>
+          <a:stretch>
+            <a:fillRect/>
+          </a:stretch>
+        </p:blipFill>
+        <p:spPr>
+          <a:xfrm>
+            <a:off x="983615" y="3828415"/>
+            <a:ext cx="3954780" cy="2653665"/>
+          </a:xfrm>
+          <a:prstGeom prst="rect">
+            <a:avLst/>
+          </a:prstGeom>
+        </p:spPr>
+      </p:pic>
+      <p:pic>
+        <p:nvPicPr>
+          <p:cNvPr id="7" name="图片 6"/>
+          <p:cNvPicPr>
+            <a:picLocks noChangeAspect="1"/>
+          </p:cNvPicPr>
+          <p:nvPr/>
+        </p:nvPicPr>
+        <p:blipFill>
+          <a:blip r:embed="rId3"/>
+          <a:stretch>
+            <a:fillRect/>
+          </a:stretch>
+        </p:blipFill>
+        <p:spPr>
+          <a:xfrm>
+            <a:off x="5431155" y="2120900"/>
+            <a:ext cx="5055870" cy="3514725"/>
+          </a:xfrm>
+          <a:prstGeom prst="rect">
+            <a:avLst/>
+          </a:prstGeom>
+        </p:spPr>
+      </p:pic>
+    </p:spTree>
+  </p:cSld>
+  <p:clrMapOvr>
+    <a:masterClrMapping/>
+  </p:clrMapOvr>
+  <p:timing>
+    <p:tnLst>
+      <p:par>
+        <p:cTn id="1" dur="indefinite" restart="never" nodeType="tmRoot"/>
+      </p:par>
+    </p:tnLst>
+  </p:timing>
+</p:sld>
+</file>
+
+<file path=ppt/slides/slide11.xml><?xml version="1.0" encoding="utf-8"?>
+<p:sld xmlns:a="http://schemas.openxmlformats.org/drawingml/2006/main" xmlns:r="http://schemas.openxmlformats.org/officeDocument/2006/relationships" xmlns:p="http://schemas.openxmlformats.org/presentationml/2006/main">
+  <p:cSld>
+    <p:spTree>
+      <p:nvGrpSpPr>
+        <p:cNvPr id="1" name=""/>
+        <p:cNvGrpSpPr/>
+        <p:nvPr/>
+      </p:nvGrpSpPr>
+      <p:grpSpPr>
+        <a:xfrm>
+          <a:off x="0" y="0"/>
+          <a:ext cx="0" cy="0"/>
+          <a:chOff x="0" y="0"/>
+          <a:chExt cx="0" cy="0"/>
+        </a:xfrm>
+      </p:grpSpPr>
+      <p:sp>
+        <p:nvSpPr>
+          <p:cNvPr id="4" name="标题 3"/>
+          <p:cNvSpPr>
+            <a:spLocks noGrp="1"/>
+          </p:cNvSpPr>
+          <p:nvPr>
+            <p:ph type="title"/>
+          </p:nvPr>
+        </p:nvSpPr>
+        <p:spPr/>
+        <p:txBody>
+          <a:bodyPr/>
+          <a:lstStyle/>
+          <a:p>
+            <a:r>
+              <a:rPr lang="zh-CN" altLang="en-US"/>
+              <a:t>设计模式</a:t>
+            </a:r>
+            <a:r>
+              <a:rPr lang="en-US" altLang="zh-CN"/>
+              <a:t>-</a:t>
+            </a:r>
+            <a:r>
+              <a:t>建造者模式</a:t>
+            </a:r>
+          </a:p>
+        </p:txBody>
+      </p:sp>
+      <p:pic>
+        <p:nvPicPr>
+          <p:cNvPr id="2" name="图片 1"/>
+          <p:cNvPicPr>
+            <a:picLocks noChangeAspect="1"/>
+          </p:cNvPicPr>
+          <p:nvPr/>
+        </p:nvPicPr>
+        <p:blipFill>
+          <a:blip r:embed="rId1"/>
+          <a:stretch>
+            <a:fillRect/>
+          </a:stretch>
+        </p:blipFill>
+        <p:spPr>
+          <a:xfrm>
+            <a:off x="1631315" y="1301750"/>
+            <a:ext cx="8928735" cy="4254500"/>
+          </a:xfrm>
+          <a:prstGeom prst="rect">
+            <a:avLst/>
+          </a:prstGeom>
+        </p:spPr>
+      </p:pic>
+    </p:spTree>
+  </p:cSld>
+  <p:clrMapOvr>
+    <a:masterClrMapping/>
+  </p:clrMapOvr>
+  <p:timing>
+    <p:tnLst>
+      <p:par>
+        <p:cTn id="1" dur="indefinite" restart="never" nodeType="tmRoot"/>
+      </p:par>
+    </p:tnLst>
+  </p:timing>
+</p:sld>
+</file>
+
+<file path=ppt/slides/slide12.xml><?xml version="1.0" encoding="utf-8"?>
+<p:sld xmlns:a="http://schemas.openxmlformats.org/drawingml/2006/main" xmlns:r="http://schemas.openxmlformats.org/officeDocument/2006/relationships" xmlns:p="http://schemas.openxmlformats.org/presentationml/2006/main">
+  <p:cSld>
+    <p:spTree>
+      <p:nvGrpSpPr>
+        <p:cNvPr id="1" name=""/>
+        <p:cNvGrpSpPr/>
+        <p:nvPr/>
+      </p:nvGrpSpPr>
+      <p:grpSpPr>
+        <a:xfrm>
+          <a:off x="0" y="0"/>
+          <a:ext cx="0" cy="0"/>
+          <a:chOff x="0" y="0"/>
+          <a:chExt cx="0" cy="0"/>
+        </a:xfrm>
+      </p:grpSpPr>
+      <p:sp>
+        <p:nvSpPr>
+          <p:cNvPr id="4" name="标题 3"/>
+          <p:cNvSpPr>
+            <a:spLocks noGrp="1"/>
+          </p:cNvSpPr>
+          <p:nvPr>
+            <p:ph type="title"/>
+          </p:nvPr>
+        </p:nvSpPr>
+        <p:spPr/>
+        <p:txBody>
+          <a:bodyPr/>
+          <a:lstStyle/>
+          <a:p>
+            <a:r>
+              <a:rPr lang="zh-CN" altLang="en-US"/>
+              <a:t>设计模式</a:t>
+            </a:r>
+            <a:r>
+              <a:rPr lang="en-US" altLang="zh-CN"/>
+              <a:t>-</a:t>
+            </a:r>
+            <a:r>
+              <a:t>状态模式</a:t>
+            </a:r>
+          </a:p>
+        </p:txBody>
+      </p:sp>
+      <p:pic>
+        <p:nvPicPr>
+          <p:cNvPr id="3" name="图片 2"/>
+          <p:cNvPicPr>
+            <a:picLocks noChangeAspect="1"/>
+          </p:cNvPicPr>
+          <p:nvPr/>
+        </p:nvPicPr>
+        <p:blipFill>
+          <a:blip r:embed="rId1"/>
+          <a:stretch>
+            <a:fillRect/>
+          </a:stretch>
+        </p:blipFill>
+        <p:spPr>
+          <a:xfrm>
+            <a:off x="5894070" y="3658235"/>
+            <a:ext cx="6280785" cy="3049905"/>
+          </a:xfrm>
+          <a:prstGeom prst="rect">
+            <a:avLst/>
+          </a:prstGeom>
+        </p:spPr>
+      </p:pic>
+      <p:sp>
+        <p:nvSpPr>
+          <p:cNvPr id="44" name="文本框 43"/>
+          <p:cNvSpPr txBox="1"/>
+          <p:nvPr/>
+        </p:nvSpPr>
+        <p:spPr>
+          <a:xfrm>
+            <a:off x="331470" y="1227455"/>
+            <a:ext cx="11501755" cy="2110105"/>
+          </a:xfrm>
+          <a:prstGeom prst="rect">
+            <a:avLst/>
+          </a:prstGeom>
+          <a:noFill/>
+        </p:spPr>
+        <p:txBody>
+          <a:bodyPr wrap="square" rtlCol="0">
+            <a:noAutofit/>
+          </a:bodyPr>
+          <a:p>
+            <a:pPr marL="342900" indent="-342900">
+              <a:lnSpc>
+                <a:spcPts val="2200"/>
+              </a:lnSpc>
+              <a:buFont typeface="Wingdings" panose="05000000000000000000" pitchFamily="2" charset="2"/>
+              <a:buChar char="n"/>
+            </a:pPr>
+            <a:r>
+              <a:rPr lang="zh-CN" altLang="en-US" sz="1600">
+                <a:solidFill>
+                  <a:schemeClr val="tx1">
+                    <a:lumMod val="65000"/>
+                    <a:lumOff val="35000"/>
+                  </a:schemeClr>
+                </a:solidFill>
+                <a:latin typeface="微软雅黑" panose="020B0503020204020204" pitchFamily="34" charset="-122"/>
+                <a:ea typeface="微软雅黑" panose="020B0503020204020204" pitchFamily="34" charset="-122"/>
+              </a:rPr>
+              <a:t>优点：封装了转换规则。将所有与某个状态有关的行为放到一个类中，并且可以方便地增加新的状态，只需要改变对象状态即可改变对象的行为。</a:t>
+            </a:r>
+            <a:endParaRPr lang="zh-CN" altLang="en-US" sz="1600">
+              <a:solidFill>
+                <a:schemeClr val="tx1">
+                  <a:lumMod val="65000"/>
+                  <a:lumOff val="35000"/>
+                </a:schemeClr>
+              </a:solidFill>
+              <a:latin typeface="微软雅黑" panose="020B0503020204020204" pitchFamily="34" charset="-122"/>
+              <a:ea typeface="微软雅黑" panose="020B0503020204020204" pitchFamily="34" charset="-122"/>
+            </a:endParaRPr>
+          </a:p>
+          <a:p>
+            <a:pPr marL="342900" indent="-342900">
+              <a:lnSpc>
+                <a:spcPts val="2200"/>
+              </a:lnSpc>
+              <a:buFont typeface="Wingdings" panose="05000000000000000000" pitchFamily="2" charset="2"/>
+              <a:buChar char="n"/>
+            </a:pPr>
+            <a:r>
+              <a:rPr lang="zh-CN" altLang="en-US" sz="1600">
+                <a:solidFill>
+                  <a:schemeClr val="tx1">
+                    <a:lumMod val="65000"/>
+                    <a:lumOff val="35000"/>
+                  </a:schemeClr>
+                </a:solidFill>
+                <a:latin typeface="微软雅黑" panose="020B0503020204020204" pitchFamily="34" charset="-122"/>
+                <a:ea typeface="微软雅黑" panose="020B0503020204020204" pitchFamily="34" charset="-122"/>
+              </a:rPr>
+              <a:t>缺点：状态模式对“开闭原则”的支持并不太好，对于可以切换状态的状态模式，增加新的状态类需要修改那些负责状态转换的源代码，否则无法切换到新增状态；而且修改某个状态类的行为也需修改对应类的源代码。</a:t>
+            </a:r>
+            <a:endParaRPr lang="zh-CN" altLang="en-US" sz="1600">
+              <a:solidFill>
+                <a:schemeClr val="tx1">
+                  <a:lumMod val="65000"/>
+                  <a:lumOff val="35000"/>
+                </a:schemeClr>
+              </a:solidFill>
+              <a:latin typeface="微软雅黑" panose="020B0503020204020204" pitchFamily="34" charset="-122"/>
+              <a:ea typeface="微软雅黑" panose="020B0503020204020204" pitchFamily="34" charset="-122"/>
+            </a:endParaRPr>
+          </a:p>
+        </p:txBody>
+      </p:sp>
+      <p:pic>
+        <p:nvPicPr>
+          <p:cNvPr id="2" name="图片 1"/>
+          <p:cNvPicPr>
+            <a:picLocks noChangeAspect="1"/>
+          </p:cNvPicPr>
+          <p:nvPr/>
+        </p:nvPicPr>
+        <p:blipFill>
+          <a:blip r:embed="rId2"/>
+          <a:stretch>
+            <a:fillRect/>
+          </a:stretch>
+        </p:blipFill>
+        <p:spPr>
+          <a:xfrm>
+            <a:off x="263525" y="3754120"/>
+            <a:ext cx="5661660" cy="2787015"/>
+          </a:xfrm>
+          <a:prstGeom prst="rect">
+            <a:avLst/>
+          </a:prstGeom>
+        </p:spPr>
+      </p:pic>
+    </p:spTree>
+  </p:cSld>
+  <p:clrMapOvr>
+    <a:masterClrMapping/>
+  </p:clrMapOvr>
+  <p:timing>
+    <p:tnLst>
+      <p:par>
+        <p:cTn id="1" dur="indefinite" restart="never" nodeType="tmRoot">
+          <p:childTnLst>
+            <p:seq concurrent="1" nextAc="seek">
+              <p:cTn id="2" dur="indefinite" nodeType="mainSeq">
+                <p:childTnLst>
+                  <p:par>
+                    <p:cTn id="3" fill="hold">
+                      <p:stCondLst>
+                        <p:cond delay="indefinite"/>
+                      </p:stCondLst>
+                      <p:childTnLst>
+                        <p:par>
+                          <p:cTn id="4" fill="hold">
+                            <p:stCondLst>
+                              <p:cond delay="0"/>
+                            </p:stCondLst>
+                            <p:childTnLst>
+                              <p:par>
+                                <p:cTn id="5" presetID="22" presetClass="entr" presetSubtype="8" fill="hold" nodeType="clickEffect">
+                                  <p:stCondLst>
+                                    <p:cond delay="0"/>
+                                  </p:stCondLst>
+                                  <p:childTnLst>
+                                    <p:set>
+                                      <p:cBhvr>
+                                        <p:cTn id="6" dur="1" fill="hold">
+                                          <p:stCondLst>
+                                            <p:cond delay="0"/>
+                                          </p:stCondLst>
+                                        </p:cTn>
+                                        <p:tgtEl>
+                                          <p:spTgt spid="44">
+                                            <p:txEl>
+                                              <p:pRg st="0" end="0"/>
+                                            </p:txEl>
+                                          </p:spTgt>
+                                        </p:tgtEl>
+                                        <p:attrNameLst>
+                                          <p:attrName>style.visibility</p:attrName>
+                                        </p:attrNameLst>
+                                      </p:cBhvr>
+                                      <p:to>
+                                        <p:strVal val="visible"/>
+                                      </p:to>
+                                    </p:set>
+                                    <p:animEffect transition="in" filter="wipe(left)">
+                                      <p:cBhvr>
+                                        <p:cTn id="7" dur="500"/>
+                                        <p:tgtEl>
+                                          <p:spTgt spid="44">
+                                            <p:txEl>
+                                              <p:pRg st="0" end="0"/>
+                                            </p:txEl>
+                                          </p:spTgt>
+                                        </p:tgtEl>
+                                      </p:cBhvr>
+                                    </p:animEffect>
+                                  </p:childTnLst>
+                                </p:cTn>
+                              </p:par>
+                            </p:childTnLst>
+                          </p:cTn>
+                        </p:par>
+                      </p:childTnLst>
+                    </p:cTn>
+                  </p:par>
+                  <p:par>
+                    <p:cTn id="8" fill="hold">
+                      <p:stCondLst>
+                        <p:cond delay="indefinite"/>
+                      </p:stCondLst>
+                      <p:childTnLst>
+                        <p:par>
+                          <p:cTn id="9" fill="hold">
+                            <p:stCondLst>
+                              <p:cond delay="0"/>
+                            </p:stCondLst>
+                            <p:childTnLst>
+                              <p:par>
+                                <p:cTn id="10" presetID="22" presetClass="entr" presetSubtype="8" fill="hold" nodeType="clickEffect">
+                                  <p:stCondLst>
+                                    <p:cond delay="0"/>
+                                  </p:stCondLst>
+                                  <p:childTnLst>
+                                    <p:set>
+                                      <p:cBhvr>
+                                        <p:cTn id="11" dur="1" fill="hold">
+                                          <p:stCondLst>
+                                            <p:cond delay="0"/>
+                                          </p:stCondLst>
+                                        </p:cTn>
+                                        <p:tgtEl>
+                                          <p:spTgt spid="44">
+                                            <p:txEl>
+                                              <p:pRg st="1" end="1"/>
+                                            </p:txEl>
+                                          </p:spTgt>
+                                        </p:tgtEl>
+                                        <p:attrNameLst>
+                                          <p:attrName>style.visibility</p:attrName>
+                                        </p:attrNameLst>
+                                      </p:cBhvr>
+                                      <p:to>
+                                        <p:strVal val="visible"/>
+                                      </p:to>
+                                    </p:set>
+                                    <p:animEffect transition="in" filter="wipe(left)">
+                                      <p:cBhvr>
+                                        <p:cTn id="12" dur="500"/>
+                                        <p:tgtEl>
+                                          <p:spTgt spid="44">
+                                            <p:txEl>
+                                              <p:pRg st="1" end="1"/>
+                                            </p:txEl>
+                                          </p:spTgt>
+                                        </p:tgtEl>
+                                      </p:cBhvr>
+                                    </p:animEffect>
+                                  </p:childTnLst>
+                                </p:cTn>
+                              </p:par>
+                            </p:childTnLst>
+                          </p:cTn>
+                        </p:par>
+                      </p:childTnLst>
+                    </p:cTn>
+                  </p:par>
+                </p:childTnLst>
+              </p:cTn>
+              <p:prevCondLst>
+                <p:cond evt="onPrev" delay="0">
+                  <p:tgtEl>
+                    <p:sldTgt/>
+                  </p:tgtEl>
+                </p:cond>
+              </p:prevCondLst>
+              <p:nextCondLst>
+                <p:cond evt="onNext" delay="0">
+                  <p:tgtEl>
+                    <p:sldTgt/>
+                  </p:tgtEl>
+                </p:cond>
+              </p:nextCondLst>
+            </p:seq>
+          </p:childTnLst>
+        </p:cTn>
+      </p:par>
+    </p:tnLst>
+  </p:timing>
+</p:sld>
+</file>
+
+<file path=ppt/slides/slide13.xml><?xml version="1.0" encoding="utf-8"?>
+<p:sld xmlns:a="http://schemas.openxmlformats.org/drawingml/2006/main" xmlns:r="http://schemas.openxmlformats.org/officeDocument/2006/relationships" xmlns:p="http://schemas.openxmlformats.org/presentationml/2006/main">
+  <p:cSld>
+    <p:spTree>
+      <p:nvGrpSpPr>
+        <p:cNvPr id="1" name=""/>
+        <p:cNvGrpSpPr/>
+        <p:nvPr/>
+      </p:nvGrpSpPr>
+      <p:grpSpPr>
+        <a:xfrm>
+          <a:off x="0" y="0"/>
+          <a:ext cx="0" cy="0"/>
+          <a:chOff x="0" y="0"/>
+          <a:chExt cx="0" cy="0"/>
+        </a:xfrm>
+      </p:grpSpPr>
+      <p:sp>
+        <p:nvSpPr>
+          <p:cNvPr id="4" name="标题 3"/>
+          <p:cNvSpPr>
+            <a:spLocks noGrp="1"/>
+          </p:cNvSpPr>
+          <p:nvPr>
+            <p:ph type="title"/>
+          </p:nvPr>
+        </p:nvSpPr>
+        <p:spPr/>
+        <p:txBody>
+          <a:bodyPr/>
+          <a:lstStyle/>
+          <a:p>
+            <a:r>
+              <a:rPr lang="zh-CN" altLang="en-US"/>
+              <a:t>设计模式</a:t>
+            </a:r>
+            <a:r>
+              <a:rPr lang="en-US" altLang="zh-CN"/>
+              <a:t>-</a:t>
+            </a:r>
+            <a:r>
+              <a:t>观察者模式</a:t>
+            </a:r>
+          </a:p>
+        </p:txBody>
+      </p:sp>
+      <p:pic>
+        <p:nvPicPr>
+          <p:cNvPr id="2" name="图片 1"/>
+          <p:cNvPicPr>
+            <a:picLocks noChangeAspect="1"/>
+          </p:cNvPicPr>
+          <p:nvPr/>
+        </p:nvPicPr>
+        <p:blipFill>
+          <a:blip r:embed="rId1"/>
+          <a:stretch>
+            <a:fillRect/>
+          </a:stretch>
+        </p:blipFill>
+        <p:spPr>
+          <a:xfrm>
+            <a:off x="1304925" y="2830830"/>
+            <a:ext cx="8928735" cy="3784600"/>
+          </a:xfrm>
+          <a:prstGeom prst="rect">
+            <a:avLst/>
+          </a:prstGeom>
+        </p:spPr>
+      </p:pic>
+      <p:sp>
+        <p:nvSpPr>
+          <p:cNvPr id="44" name="文本框 43"/>
+          <p:cNvSpPr txBox="1"/>
+          <p:nvPr/>
+        </p:nvSpPr>
+        <p:spPr>
+          <a:xfrm>
+            <a:off x="331470" y="1227455"/>
+            <a:ext cx="11501755" cy="1602740"/>
+          </a:xfrm>
+          <a:prstGeom prst="rect">
+            <a:avLst/>
+          </a:prstGeom>
+          <a:noFill/>
+        </p:spPr>
+        <p:txBody>
+          <a:bodyPr wrap="square" rtlCol="0">
+            <a:noAutofit/>
+          </a:bodyPr>
+          <a:p>
+            <a:pPr marL="342900" indent="-342900">
+              <a:lnSpc>
+                <a:spcPts val="2200"/>
+              </a:lnSpc>
+              <a:buFont typeface="Wingdings" panose="05000000000000000000" pitchFamily="2" charset="2"/>
+              <a:buChar char="n"/>
+            </a:pPr>
+            <a:r>
+              <a:rPr lang="zh-CN" altLang="en-US" sz="1600">
+                <a:solidFill>
+                  <a:schemeClr val="tx1">
+                    <a:lumMod val="65000"/>
+                    <a:lumOff val="35000"/>
+                  </a:schemeClr>
+                </a:solidFill>
+                <a:latin typeface="微软雅黑" panose="020B0503020204020204" pitchFamily="34" charset="-122"/>
+                <a:ea typeface="微软雅黑" panose="020B0503020204020204" pitchFamily="34" charset="-122"/>
+              </a:rPr>
+              <a:t>优点：实现表示层和数据逻辑层的分离，并定义了稳定的消息更新传递机制，抽象了更新接口，使得可以有各种各样不同的表示层作为具体观察者角色。</a:t>
+            </a:r>
+            <a:endParaRPr lang="zh-CN" altLang="en-US" sz="1600">
+              <a:solidFill>
+                <a:schemeClr val="tx1">
+                  <a:lumMod val="65000"/>
+                  <a:lumOff val="35000"/>
+                </a:schemeClr>
+              </a:solidFill>
+              <a:latin typeface="微软雅黑" panose="020B0503020204020204" pitchFamily="34" charset="-122"/>
+              <a:ea typeface="微软雅黑" panose="020B0503020204020204" pitchFamily="34" charset="-122"/>
+            </a:endParaRPr>
+          </a:p>
+          <a:p>
+            <a:pPr marL="342900" indent="-342900">
+              <a:lnSpc>
+                <a:spcPts val="2200"/>
+              </a:lnSpc>
+              <a:buFont typeface="Wingdings" panose="05000000000000000000" pitchFamily="2" charset="2"/>
+              <a:buChar char="n"/>
+            </a:pPr>
+            <a:r>
+              <a:rPr lang="zh-CN" altLang="en-US" sz="1600">
+                <a:solidFill>
+                  <a:schemeClr val="tx1">
+                    <a:lumMod val="65000"/>
+                    <a:lumOff val="35000"/>
+                  </a:schemeClr>
+                </a:solidFill>
+                <a:latin typeface="微软雅黑" panose="020B0503020204020204" pitchFamily="34" charset="-122"/>
+                <a:ea typeface="微软雅黑" panose="020B0503020204020204" pitchFamily="34" charset="-122"/>
+              </a:rPr>
+              <a:t>缺点：将所有的观察者都通知到会花费很多时间。没有相应的机制让观察者知道所观察的目标对象是怎么发生变化的，而仅仅只是知道观察目标发生了变化。</a:t>
+            </a:r>
+            <a:endParaRPr lang="zh-CN" altLang="en-US" sz="1600">
+              <a:solidFill>
+                <a:schemeClr val="tx1">
+                  <a:lumMod val="65000"/>
+                  <a:lumOff val="35000"/>
+                </a:schemeClr>
+              </a:solidFill>
+              <a:latin typeface="微软雅黑" panose="020B0503020204020204" pitchFamily="34" charset="-122"/>
+              <a:ea typeface="微软雅黑" panose="020B0503020204020204" pitchFamily="34" charset="-122"/>
+            </a:endParaRPr>
+          </a:p>
+        </p:txBody>
+      </p:sp>
+    </p:spTree>
+  </p:cSld>
+  <p:clrMapOvr>
+    <a:masterClrMapping/>
+  </p:clrMapOvr>
+  <p:timing>
+    <p:tnLst>
+      <p:par>
+        <p:cTn id="1" dur="indefinite" restart="never" nodeType="tmRoot">
+          <p:childTnLst>
+            <p:seq concurrent="1" nextAc="seek">
+              <p:cTn id="2" dur="indefinite" nodeType="mainSeq">
+                <p:childTnLst>
+                  <p:par>
+                    <p:cTn id="3" fill="hold">
+                      <p:stCondLst>
+                        <p:cond delay="indefinite"/>
+                      </p:stCondLst>
+                      <p:childTnLst>
+                        <p:par>
+                          <p:cTn id="4" fill="hold">
+                            <p:stCondLst>
+                              <p:cond delay="0"/>
+                            </p:stCondLst>
+                            <p:childTnLst>
+                              <p:par>
+                                <p:cTn id="5" presetID="22" presetClass="entr" presetSubtype="8" fill="hold" nodeType="clickEffect">
+                                  <p:stCondLst>
+                                    <p:cond delay="0"/>
+                                  </p:stCondLst>
+                                  <p:childTnLst>
+                                    <p:set>
+                                      <p:cBhvr>
+                                        <p:cTn id="6" dur="1" fill="hold">
+                                          <p:stCondLst>
+                                            <p:cond delay="0"/>
+                                          </p:stCondLst>
+                                        </p:cTn>
+                                        <p:tgtEl>
+                                          <p:spTgt spid="44">
+                                            <p:txEl>
+                                              <p:pRg st="0" end="0"/>
+                                            </p:txEl>
+                                          </p:spTgt>
+                                        </p:tgtEl>
+                                        <p:attrNameLst>
+                                          <p:attrName>style.visibility</p:attrName>
+                                        </p:attrNameLst>
+                                      </p:cBhvr>
+                                      <p:to>
+                                        <p:strVal val="visible"/>
+                                      </p:to>
+                                    </p:set>
+                                    <p:animEffect transition="in" filter="wipe(left)">
+                                      <p:cBhvr>
+                                        <p:cTn id="7" dur="500"/>
+                                        <p:tgtEl>
+                                          <p:spTgt spid="44">
+                                            <p:txEl>
+                                              <p:pRg st="0" end="0"/>
+                                            </p:txEl>
+                                          </p:spTgt>
+                                        </p:tgtEl>
+                                      </p:cBhvr>
+                                    </p:animEffect>
+                                  </p:childTnLst>
+                                </p:cTn>
+                              </p:par>
+                            </p:childTnLst>
+                          </p:cTn>
+                        </p:par>
+                      </p:childTnLst>
+                    </p:cTn>
+                  </p:par>
+                  <p:par>
+                    <p:cTn id="8" fill="hold">
+                      <p:stCondLst>
+                        <p:cond delay="indefinite"/>
+                      </p:stCondLst>
+                      <p:childTnLst>
+                        <p:par>
+                          <p:cTn id="9" fill="hold">
+                            <p:stCondLst>
+                              <p:cond delay="0"/>
+                            </p:stCondLst>
+                            <p:childTnLst>
+                              <p:par>
+                                <p:cTn id="10" presetID="22" presetClass="entr" presetSubtype="8" fill="hold" nodeType="clickEffect">
+                                  <p:stCondLst>
+                                    <p:cond delay="0"/>
+                                  </p:stCondLst>
+                                  <p:childTnLst>
+                                    <p:set>
+                                      <p:cBhvr>
+                                        <p:cTn id="11" dur="1" fill="hold">
+                                          <p:stCondLst>
+                                            <p:cond delay="0"/>
+                                          </p:stCondLst>
+                                        </p:cTn>
+                                        <p:tgtEl>
+                                          <p:spTgt spid="44">
+                                            <p:txEl>
+                                              <p:pRg st="1" end="1"/>
+                                            </p:txEl>
+                                          </p:spTgt>
+                                        </p:tgtEl>
+                                        <p:attrNameLst>
+                                          <p:attrName>style.visibility</p:attrName>
+                                        </p:attrNameLst>
+                                      </p:cBhvr>
+                                      <p:to>
+                                        <p:strVal val="visible"/>
+                                      </p:to>
+                                    </p:set>
+                                    <p:animEffect transition="in" filter="wipe(left)">
+                                      <p:cBhvr>
+                                        <p:cTn id="12" dur="500"/>
+                                        <p:tgtEl>
+                                          <p:spTgt spid="44">
+                                            <p:txEl>
+                                              <p:pRg st="1" end="1"/>
+                                            </p:txEl>
+                                          </p:spTgt>
+                                        </p:tgtEl>
+                                      </p:cBhvr>
+                                    </p:animEffect>
+                                  </p:childTnLst>
+                                </p:cTn>
+                              </p:par>
+                            </p:childTnLst>
+                          </p:cTn>
+                        </p:par>
+                      </p:childTnLst>
+                    </p:cTn>
+                  </p:par>
+                </p:childTnLst>
+              </p:cTn>
+              <p:prevCondLst>
+                <p:cond evt="onPrev" delay="0">
+                  <p:tgtEl>
+                    <p:sldTgt/>
+                  </p:tgtEl>
+                </p:cond>
+              </p:prevCondLst>
+              <p:nextCondLst>
+                <p:cond evt="onNext" delay="0">
+                  <p:tgtEl>
+                    <p:sldTgt/>
+                  </p:tgtEl>
+                </p:cond>
+              </p:nextCondLst>
+            </p:seq>
+          </p:childTnLst>
+        </p:cTn>
+      </p:par>
+    </p:tnLst>
+  </p:timing>
+</p:sld>
+</file>
+
+<file path=ppt/slides/slide14.xml><?xml version="1.0" encoding="utf-8"?>
+<p:sld xmlns:a="http://schemas.openxmlformats.org/drawingml/2006/main" xmlns:r="http://schemas.openxmlformats.org/officeDocument/2006/relationships" xmlns:p="http://schemas.openxmlformats.org/presentationml/2006/main">
+  <p:cSld>
+    <p:spTree>
+      <p:nvGrpSpPr>
+        <p:cNvPr id="1" name=""/>
+        <p:cNvGrpSpPr/>
+        <p:nvPr/>
+      </p:nvGrpSpPr>
+      <p:grpSpPr>
+        <a:xfrm>
+          <a:off x="0" y="0"/>
+          <a:ext cx="0" cy="0"/>
+          <a:chOff x="0" y="0"/>
+          <a:chExt cx="0" cy="0"/>
+        </a:xfrm>
+      </p:grpSpPr>
+      <p:sp>
+        <p:nvSpPr>
+          <p:cNvPr id="4" name="标题 3"/>
+          <p:cNvSpPr>
+            <a:spLocks noGrp="1"/>
+          </p:cNvSpPr>
+          <p:nvPr>
+            <p:ph type="title"/>
+          </p:nvPr>
+        </p:nvSpPr>
+        <p:spPr/>
+        <p:txBody>
+          <a:bodyPr/>
+          <a:lstStyle/>
+          <a:p>
+            <a:r>
+              <a:rPr lang="zh-CN" altLang="en-US"/>
+              <a:t>设计模式</a:t>
+            </a:r>
+            <a:r>
+              <a:rPr lang="en-US" altLang="zh-CN"/>
+              <a:t>-</a:t>
+            </a:r>
+            <a:r>
+              <a:t>策略模式</a:t>
+            </a:r>
+          </a:p>
+        </p:txBody>
+      </p:sp>
+      <p:sp>
+        <p:nvSpPr>
+          <p:cNvPr id="44" name="文本框 43"/>
+          <p:cNvSpPr txBox="1"/>
+          <p:nvPr/>
+        </p:nvSpPr>
+        <p:spPr>
+          <a:xfrm>
+            <a:off x="331470" y="1167130"/>
+            <a:ext cx="11501755" cy="5203190"/>
+          </a:xfrm>
+          <a:prstGeom prst="rect">
+            <a:avLst/>
+          </a:prstGeom>
+          <a:noFill/>
+        </p:spPr>
+        <p:txBody>
+          <a:bodyPr wrap="square" rtlCol="0">
+            <a:noAutofit/>
+          </a:bodyPr>
+          <a:lstStyle/>
+          <a:p>
+            <a:pPr marL="342900" indent="-342900">
+              <a:lnSpc>
+                <a:spcPts val="2200"/>
+              </a:lnSpc>
+              <a:buFont typeface="Wingdings" panose="05000000000000000000" pitchFamily="2" charset="2"/>
+              <a:buChar char="n"/>
+            </a:pPr>
+            <a:r>
+              <a:rPr lang="zh-CN" altLang="en-US" sz="1600">
+                <a:solidFill>
+                  <a:schemeClr val="tx1">
+                    <a:lumMod val="65000"/>
+                    <a:lumOff val="35000"/>
+                  </a:schemeClr>
+                </a:solidFill>
+                <a:latin typeface="微软雅黑" panose="020B0503020204020204" pitchFamily="34" charset="-122"/>
+                <a:ea typeface="微软雅黑" panose="020B0503020204020204" pitchFamily="34" charset="-122"/>
+              </a:rPr>
+              <a:t>优点：</a:t>
+            </a:r>
+            <a:endParaRPr lang="zh-CN" altLang="en-US" sz="1600">
+              <a:solidFill>
+                <a:schemeClr val="tx1">
+                  <a:lumMod val="65000"/>
+                  <a:lumOff val="35000"/>
+                </a:schemeClr>
+              </a:solidFill>
+              <a:latin typeface="微软雅黑" panose="020B0503020204020204" pitchFamily="34" charset="-122"/>
+              <a:ea typeface="微软雅黑" panose="020B0503020204020204" pitchFamily="34" charset="-122"/>
+            </a:endParaRPr>
+          </a:p>
+          <a:p>
+            <a:pPr marL="800100" lvl="1" indent="-342900">
+              <a:lnSpc>
+                <a:spcPts val="2200"/>
+              </a:lnSpc>
+              <a:buFont typeface="Wingdings" panose="05000000000000000000" pitchFamily="2" charset="2"/>
+              <a:buChar char="n"/>
+            </a:pPr>
+            <a:r>
+              <a:rPr lang="zh-CN" altLang="en-US" sz="1600">
+                <a:solidFill>
+                  <a:schemeClr val="tx1">
+                    <a:lumMod val="65000"/>
+                    <a:lumOff val="35000"/>
+                  </a:schemeClr>
+                </a:solidFill>
+                <a:latin typeface="微软雅黑" panose="020B0503020204020204" pitchFamily="34" charset="-122"/>
+                <a:ea typeface="微软雅黑" panose="020B0503020204020204" pitchFamily="34" charset="-122"/>
+              </a:rPr>
+              <a:t>策略模式提供了对“开闭原则”的完美支持</a:t>
+            </a:r>
+            <a:endParaRPr lang="zh-CN" altLang="en-US" sz="1600">
+              <a:solidFill>
+                <a:schemeClr val="tx1">
+                  <a:lumMod val="65000"/>
+                  <a:lumOff val="35000"/>
+                </a:schemeClr>
+              </a:solidFill>
+              <a:latin typeface="微软雅黑" panose="020B0503020204020204" pitchFamily="34" charset="-122"/>
+              <a:ea typeface="微软雅黑" panose="020B0503020204020204" pitchFamily="34" charset="-122"/>
+            </a:endParaRPr>
+          </a:p>
+          <a:p>
+            <a:pPr marL="800100" lvl="1" indent="-342900">
+              <a:lnSpc>
+                <a:spcPts val="2200"/>
+              </a:lnSpc>
+              <a:buFont typeface="Wingdings" panose="05000000000000000000" pitchFamily="2" charset="2"/>
+              <a:buChar char="n"/>
+            </a:pPr>
+            <a:r>
+              <a:rPr lang="zh-CN" altLang="en-US" sz="1600">
+                <a:solidFill>
+                  <a:schemeClr val="tx1">
+                    <a:lumMod val="65000"/>
+                    <a:lumOff val="35000"/>
+                  </a:schemeClr>
+                </a:solidFill>
+                <a:latin typeface="微软雅黑" panose="020B0503020204020204" pitchFamily="34" charset="-122"/>
+                <a:ea typeface="微软雅黑" panose="020B0503020204020204" pitchFamily="34" charset="-122"/>
+              </a:rPr>
+              <a:t>策略模式提供了管理相关的算法族的办法。</a:t>
+            </a:r>
+            <a:endParaRPr lang="zh-CN" altLang="en-US" sz="1600">
+              <a:solidFill>
+                <a:schemeClr val="tx1">
+                  <a:lumMod val="65000"/>
+                  <a:lumOff val="35000"/>
+                </a:schemeClr>
+              </a:solidFill>
+              <a:latin typeface="微软雅黑" panose="020B0503020204020204" pitchFamily="34" charset="-122"/>
+              <a:ea typeface="微软雅黑" panose="020B0503020204020204" pitchFamily="34" charset="-122"/>
+            </a:endParaRPr>
+          </a:p>
+          <a:p>
+            <a:pPr marL="800100" lvl="1" indent="-342900">
+              <a:lnSpc>
+                <a:spcPts val="2200"/>
+              </a:lnSpc>
+              <a:buFont typeface="Wingdings" panose="05000000000000000000" pitchFamily="2" charset="2"/>
+              <a:buChar char="n"/>
+            </a:pPr>
+            <a:r>
+              <a:rPr lang="zh-CN" altLang="en-US" sz="1600">
+                <a:solidFill>
+                  <a:schemeClr val="tx1">
+                    <a:lumMod val="65000"/>
+                    <a:lumOff val="35000"/>
+                  </a:schemeClr>
+                </a:solidFill>
+                <a:latin typeface="微软雅黑" panose="020B0503020204020204" pitchFamily="34" charset="-122"/>
+                <a:ea typeface="微软雅黑" panose="020B0503020204020204" pitchFamily="34" charset="-122"/>
+              </a:rPr>
+              <a:t>策略模式提供了可以替换继承关系的办法。</a:t>
+            </a:r>
+            <a:endParaRPr lang="zh-CN" altLang="en-US" sz="1600">
+              <a:solidFill>
+                <a:schemeClr val="tx1">
+                  <a:lumMod val="65000"/>
+                  <a:lumOff val="35000"/>
+                </a:schemeClr>
+              </a:solidFill>
+              <a:latin typeface="微软雅黑" panose="020B0503020204020204" pitchFamily="34" charset="-122"/>
+              <a:ea typeface="微软雅黑" panose="020B0503020204020204" pitchFamily="34" charset="-122"/>
+            </a:endParaRPr>
+          </a:p>
+          <a:p>
+            <a:pPr marL="800100" lvl="1" indent="-342900">
+              <a:lnSpc>
+                <a:spcPts val="2200"/>
+              </a:lnSpc>
+              <a:buFont typeface="Wingdings" panose="05000000000000000000" pitchFamily="2" charset="2"/>
+              <a:buChar char="n"/>
+            </a:pPr>
+            <a:r>
+              <a:rPr lang="zh-CN" altLang="en-US" sz="1600">
+                <a:solidFill>
+                  <a:schemeClr val="tx1">
+                    <a:lumMod val="65000"/>
+                    <a:lumOff val="35000"/>
+                  </a:schemeClr>
+                </a:solidFill>
+                <a:latin typeface="微软雅黑" panose="020B0503020204020204" pitchFamily="34" charset="-122"/>
+                <a:ea typeface="微软雅黑" panose="020B0503020204020204" pitchFamily="34" charset="-122"/>
+              </a:rPr>
+              <a:t>使用策略模式可以避免使用多重条件转移语句。</a:t>
+            </a:r>
+            <a:endParaRPr lang="zh-CN" altLang="en-US" sz="1600">
+              <a:solidFill>
+                <a:schemeClr val="tx1">
+                  <a:lumMod val="65000"/>
+                  <a:lumOff val="35000"/>
+                </a:schemeClr>
+              </a:solidFill>
+              <a:latin typeface="微软雅黑" panose="020B0503020204020204" pitchFamily="34" charset="-122"/>
+              <a:ea typeface="微软雅黑" panose="020B0503020204020204" pitchFamily="34" charset="-122"/>
+            </a:endParaRPr>
+          </a:p>
+          <a:p>
+            <a:pPr marL="342900" lvl="0" indent="-342900">
+              <a:lnSpc>
+                <a:spcPts val="2200"/>
+              </a:lnSpc>
+              <a:buFont typeface="Wingdings" panose="05000000000000000000" pitchFamily="2" charset="2"/>
+              <a:buChar char="n"/>
+            </a:pPr>
+            <a:r>
+              <a:rPr lang="zh-CN" altLang="en-US" sz="1600">
+                <a:solidFill>
+                  <a:schemeClr val="tx1">
+                    <a:lumMod val="65000"/>
+                    <a:lumOff val="35000"/>
+                  </a:schemeClr>
+                </a:solidFill>
+                <a:latin typeface="微软雅黑" panose="020B0503020204020204" pitchFamily="34" charset="-122"/>
+                <a:ea typeface="微软雅黑" panose="020B0503020204020204" pitchFamily="34" charset="-122"/>
+              </a:rPr>
+              <a:t>缺点：</a:t>
+            </a:r>
+            <a:endParaRPr lang="zh-CN" altLang="en-US" sz="1600">
+              <a:solidFill>
+                <a:schemeClr val="tx1">
+                  <a:lumMod val="65000"/>
+                  <a:lumOff val="35000"/>
+                </a:schemeClr>
+              </a:solidFill>
+              <a:latin typeface="微软雅黑" panose="020B0503020204020204" pitchFamily="34" charset="-122"/>
+              <a:ea typeface="微软雅黑" panose="020B0503020204020204" pitchFamily="34" charset="-122"/>
+            </a:endParaRPr>
+          </a:p>
+          <a:p>
+            <a:pPr marL="800100" lvl="1" indent="-342900">
+              <a:lnSpc>
+                <a:spcPts val="2200"/>
+              </a:lnSpc>
+              <a:buFont typeface="Wingdings" panose="05000000000000000000" pitchFamily="2" charset="2"/>
+              <a:buChar char="n"/>
+            </a:pPr>
+            <a:r>
+              <a:rPr lang="zh-CN" altLang="en-US" sz="1600">
+                <a:solidFill>
+                  <a:schemeClr val="tx1">
+                    <a:lumMod val="65000"/>
+                    <a:lumOff val="35000"/>
+                  </a:schemeClr>
+                </a:solidFill>
+                <a:latin typeface="微软雅黑" panose="020B0503020204020204" pitchFamily="34" charset="-122"/>
+                <a:ea typeface="微软雅黑" panose="020B0503020204020204" pitchFamily="34" charset="-122"/>
+              </a:rPr>
+              <a:t>客户端必须知道所有的策略类，并自行决定使用哪一个策略类。</a:t>
+            </a:r>
+            <a:endParaRPr lang="zh-CN" altLang="en-US" sz="1600">
+              <a:solidFill>
+                <a:schemeClr val="tx1">
+                  <a:lumMod val="65000"/>
+                  <a:lumOff val="35000"/>
+                </a:schemeClr>
+              </a:solidFill>
+              <a:latin typeface="微软雅黑" panose="020B0503020204020204" pitchFamily="34" charset="-122"/>
+              <a:ea typeface="微软雅黑" panose="020B0503020204020204" pitchFamily="34" charset="-122"/>
+            </a:endParaRPr>
+          </a:p>
+          <a:p>
+            <a:pPr marL="800100" lvl="1" indent="-342900">
+              <a:lnSpc>
+                <a:spcPts val="2200"/>
+              </a:lnSpc>
+              <a:buFont typeface="Wingdings" panose="05000000000000000000" pitchFamily="2" charset="2"/>
+              <a:buChar char="n"/>
+            </a:pPr>
+            <a:r>
+              <a:rPr lang="zh-CN" altLang="en-US" sz="1600">
+                <a:solidFill>
+                  <a:schemeClr val="tx1">
+                    <a:lumMod val="65000"/>
+                    <a:lumOff val="35000"/>
+                  </a:schemeClr>
+                </a:solidFill>
+                <a:latin typeface="微软雅黑" panose="020B0503020204020204" pitchFamily="34" charset="-122"/>
+                <a:ea typeface="微软雅黑" panose="020B0503020204020204" pitchFamily="34" charset="-122"/>
+              </a:rPr>
+              <a:t>策略模式将造成产生很多策略类，可以通过使用享元模式在一定程度上减少对象的数量。</a:t>
+            </a:r>
+            <a:endParaRPr lang="en-US" altLang="zh-CN" sz="1600">
+              <a:solidFill>
+                <a:schemeClr val="tx1">
+                  <a:lumMod val="65000"/>
+                  <a:lumOff val="35000"/>
+                </a:schemeClr>
+              </a:solidFill>
+              <a:latin typeface="微软雅黑" panose="020B0503020204020204" pitchFamily="34" charset="-122"/>
+              <a:ea typeface="微软雅黑" panose="020B0503020204020204" pitchFamily="34" charset="-122"/>
+            </a:endParaRPr>
+          </a:p>
+        </p:txBody>
+      </p:sp>
+      <p:pic>
+        <p:nvPicPr>
+          <p:cNvPr id="2" name="图片 1"/>
+          <p:cNvPicPr>
+            <a:picLocks noChangeAspect="1"/>
+          </p:cNvPicPr>
+          <p:nvPr/>
+        </p:nvPicPr>
+        <p:blipFill>
+          <a:blip r:embed="rId1"/>
+          <a:stretch>
+            <a:fillRect/>
+          </a:stretch>
+        </p:blipFill>
+        <p:spPr>
+          <a:xfrm>
+            <a:off x="1470025" y="3453130"/>
+            <a:ext cx="7582535" cy="3299460"/>
+          </a:xfrm>
+          <a:prstGeom prst="rect">
+            <a:avLst/>
+          </a:prstGeom>
+        </p:spPr>
+      </p:pic>
+    </p:spTree>
+  </p:cSld>
+  <p:clrMapOvr>
+    <a:masterClrMapping/>
+  </p:clrMapOvr>
+  <p:timing>
+    <p:tnLst>
+      <p:par>
+        <p:cTn id="1" dur="indefinite" restart="never" nodeType="tmRoot">
+          <p:childTnLst>
+            <p:seq concurrent="1" nextAc="seek">
+              <p:cTn id="2" dur="indefinite" nodeType="mainSeq">
+                <p:childTnLst>
+                  <p:par>
+                    <p:cTn id="3" fill="hold">
+                      <p:stCondLst>
+                        <p:cond delay="indefinite"/>
+                      </p:stCondLst>
+                      <p:childTnLst>
+                        <p:par>
+                          <p:cTn id="4" fill="hold">
+                            <p:stCondLst>
+                              <p:cond delay="0"/>
+                            </p:stCondLst>
+                            <p:childTnLst>
+                              <p:par>
+                                <p:cTn id="5" presetID="22" presetClass="entr" presetSubtype="8" fill="hold" nodeType="clickEffect">
+                                  <p:stCondLst>
+                                    <p:cond delay="0"/>
+                                  </p:stCondLst>
+                                  <p:childTnLst>
+                                    <p:set>
+                                      <p:cBhvr>
+                                        <p:cTn id="6" dur="1" fill="hold">
+                                          <p:stCondLst>
+                                            <p:cond delay="0"/>
+                                          </p:stCondLst>
+                                        </p:cTn>
+                                        <p:tgtEl>
+                                          <p:spTgt spid="44">
+                                            <p:txEl>
+                                              <p:pRg st="0" end="0"/>
+                                            </p:txEl>
+                                          </p:spTgt>
+                                        </p:tgtEl>
+                                        <p:attrNameLst>
+                                          <p:attrName>style.visibility</p:attrName>
+                                        </p:attrNameLst>
+                                      </p:cBhvr>
+                                      <p:to>
+                                        <p:strVal val="visible"/>
+                                      </p:to>
+                                    </p:set>
+                                    <p:animEffect transition="in" filter="wipe(left)">
+                                      <p:cBhvr>
+                                        <p:cTn id="7" dur="500"/>
+                                        <p:tgtEl>
+                                          <p:spTgt spid="44">
+                                            <p:txEl>
+                                              <p:pRg st="0" end="0"/>
+                                            </p:txEl>
+                                          </p:spTgt>
+                                        </p:tgtEl>
+                                      </p:cBhvr>
+                                    </p:animEffect>
+                                  </p:childTnLst>
+                                </p:cTn>
+                              </p:par>
+                            </p:childTnLst>
+                          </p:cTn>
+                        </p:par>
+                      </p:childTnLst>
+                    </p:cTn>
+                  </p:par>
+                  <p:par>
+                    <p:cTn id="8" fill="hold">
+                      <p:stCondLst>
+                        <p:cond delay="indefinite"/>
+                      </p:stCondLst>
+                      <p:childTnLst>
+                        <p:par>
+                          <p:cTn id="9" fill="hold">
+                            <p:stCondLst>
+                              <p:cond delay="0"/>
+                            </p:stCondLst>
+                            <p:childTnLst>
+                              <p:par>
+                                <p:cTn id="10" presetID="22" presetClass="entr" presetSubtype="8" fill="hold" nodeType="clickEffect">
+                                  <p:stCondLst>
+                                    <p:cond delay="0"/>
+                                  </p:stCondLst>
+                                  <p:childTnLst>
+                                    <p:set>
+                                      <p:cBhvr>
+                                        <p:cTn id="11" dur="1" fill="hold">
+                                          <p:stCondLst>
+                                            <p:cond delay="0"/>
+                                          </p:stCondLst>
+                                        </p:cTn>
+                                        <p:tgtEl>
+                                          <p:spTgt spid="44">
+                                            <p:txEl>
+                                              <p:pRg st="1" end="1"/>
+                                            </p:txEl>
+                                          </p:spTgt>
+                                        </p:tgtEl>
+                                        <p:attrNameLst>
+                                          <p:attrName>style.visibility</p:attrName>
+                                        </p:attrNameLst>
+                                      </p:cBhvr>
+                                      <p:to>
+                                        <p:strVal val="visible"/>
+                                      </p:to>
+                                    </p:set>
+                                    <p:animEffect transition="in" filter="wipe(left)">
+                                      <p:cBhvr>
+                                        <p:cTn id="12" dur="500"/>
+                                        <p:tgtEl>
+                                          <p:spTgt spid="44">
+                                            <p:txEl>
+                                              <p:pRg st="1" end="1"/>
+                                            </p:txEl>
+                                          </p:spTgt>
+                                        </p:tgtEl>
+                                      </p:cBhvr>
+                                    </p:animEffect>
+                                  </p:childTnLst>
+                                </p:cTn>
+                              </p:par>
+                            </p:childTnLst>
+                          </p:cTn>
+                        </p:par>
+                      </p:childTnLst>
+                    </p:cTn>
+                  </p:par>
+                  <p:par>
+                    <p:cTn id="13" fill="hold">
+                      <p:stCondLst>
+                        <p:cond delay="indefinite"/>
+                      </p:stCondLst>
+                      <p:childTnLst>
+                        <p:par>
+                          <p:cTn id="14" fill="hold">
+                            <p:stCondLst>
+                              <p:cond delay="0"/>
+                            </p:stCondLst>
+                            <p:childTnLst>
+                              <p:par>
+                                <p:cTn id="15" presetID="22" presetClass="entr" presetSubtype="8" fill="hold" nodeType="clickEffect">
+                                  <p:stCondLst>
+                                    <p:cond delay="0"/>
+                                  </p:stCondLst>
+                                  <p:childTnLst>
+                                    <p:set>
+                                      <p:cBhvr>
+                                        <p:cTn id="16" dur="1" fill="hold">
+                                          <p:stCondLst>
+                                            <p:cond delay="0"/>
+                                          </p:stCondLst>
+                                        </p:cTn>
+                                        <p:tgtEl>
+                                          <p:spTgt spid="44">
+                                            <p:txEl>
+                                              <p:pRg st="2" end="2"/>
+                                            </p:txEl>
+                                          </p:spTgt>
+                                        </p:tgtEl>
+                                        <p:attrNameLst>
+                                          <p:attrName>style.visibility</p:attrName>
+                                        </p:attrNameLst>
+                                      </p:cBhvr>
+                                      <p:to>
+                                        <p:strVal val="visible"/>
+                                      </p:to>
+                                    </p:set>
+                                    <p:animEffect transition="in" filter="wipe(left)">
+                                      <p:cBhvr>
+                                        <p:cTn id="17" dur="500"/>
+                                        <p:tgtEl>
+                                          <p:spTgt spid="44">
+                                            <p:txEl>
+                                              <p:pRg st="2" end="2"/>
+                                            </p:txEl>
+                                          </p:spTgt>
+                                        </p:tgtEl>
+                                      </p:cBhvr>
+                                    </p:animEffect>
+                                  </p:childTnLst>
+                                </p:cTn>
+                              </p:par>
+                            </p:childTnLst>
+                          </p:cTn>
+                        </p:par>
+                      </p:childTnLst>
+                    </p:cTn>
+                  </p:par>
+                  <p:par>
+                    <p:cTn id="18" fill="hold">
+                      <p:stCondLst>
+                        <p:cond delay="indefinite"/>
+                      </p:stCondLst>
+                      <p:childTnLst>
+                        <p:par>
+                          <p:cTn id="19" fill="hold">
+                            <p:stCondLst>
+                              <p:cond delay="0"/>
+                            </p:stCondLst>
+                            <p:childTnLst>
+                              <p:par>
+                                <p:cTn id="20" presetID="22" presetClass="entr" presetSubtype="8" fill="hold" nodeType="clickEffect">
+                                  <p:stCondLst>
+                                    <p:cond delay="0"/>
+                                  </p:stCondLst>
+                                  <p:childTnLst>
+                                    <p:set>
+                                      <p:cBhvr>
+                                        <p:cTn id="21" dur="1" fill="hold">
+                                          <p:stCondLst>
+                                            <p:cond delay="0"/>
+                                          </p:stCondLst>
+                                        </p:cTn>
+                                        <p:tgtEl>
+                                          <p:spTgt spid="44">
+                                            <p:txEl>
+                                              <p:pRg st="3" end="3"/>
+                                            </p:txEl>
+                                          </p:spTgt>
+                                        </p:tgtEl>
+                                        <p:attrNameLst>
+                                          <p:attrName>style.visibility</p:attrName>
+                                        </p:attrNameLst>
+                                      </p:cBhvr>
+                                      <p:to>
+                                        <p:strVal val="visible"/>
+                                      </p:to>
+                                    </p:set>
+                                    <p:animEffect transition="in" filter="wipe(left)">
+                                      <p:cBhvr>
+                                        <p:cTn id="22" dur="500"/>
+                                        <p:tgtEl>
+                                          <p:spTgt spid="44">
+                                            <p:txEl>
+                                              <p:pRg st="3" end="3"/>
+                                            </p:txEl>
+                                          </p:spTgt>
+                                        </p:tgtEl>
+                                      </p:cBhvr>
+                                    </p:animEffect>
+                                  </p:childTnLst>
+                                </p:cTn>
+                              </p:par>
+                            </p:childTnLst>
+                          </p:cTn>
+                        </p:par>
+                      </p:childTnLst>
+                    </p:cTn>
+                  </p:par>
+                  <p:par>
+                    <p:cTn id="23" fill="hold">
+                      <p:stCondLst>
+                        <p:cond delay="indefinite"/>
+                      </p:stCondLst>
+                      <p:childTnLst>
+                        <p:par>
+                          <p:cTn id="24" fill="hold">
+                            <p:stCondLst>
+                              <p:cond delay="0"/>
+                            </p:stCondLst>
+                            <p:childTnLst>
+                              <p:par>
+                                <p:cTn id="25" presetID="22" presetClass="entr" presetSubtype="8" fill="hold" nodeType="clickEffect">
+                                  <p:stCondLst>
+                                    <p:cond delay="0"/>
+                                  </p:stCondLst>
+                                  <p:childTnLst>
+                                    <p:set>
+                                      <p:cBhvr>
+                                        <p:cTn id="26" dur="1" fill="hold">
+                                          <p:stCondLst>
+                                            <p:cond delay="0"/>
+                                          </p:stCondLst>
+                                        </p:cTn>
+                                        <p:tgtEl>
+                                          <p:spTgt spid="44">
+                                            <p:txEl>
+                                              <p:pRg st="4" end="4"/>
+                                            </p:txEl>
+                                          </p:spTgt>
+                                        </p:tgtEl>
+                                        <p:attrNameLst>
+                                          <p:attrName>style.visibility</p:attrName>
+                                        </p:attrNameLst>
+                                      </p:cBhvr>
+                                      <p:to>
+                                        <p:strVal val="visible"/>
+                                      </p:to>
+                                    </p:set>
+                                    <p:animEffect transition="in" filter="wipe(left)">
+                                      <p:cBhvr>
+                                        <p:cTn id="27" dur="500"/>
+                                        <p:tgtEl>
+                                          <p:spTgt spid="44">
+                                            <p:txEl>
+                                              <p:pRg st="4" end="4"/>
+                                            </p:txEl>
+                                          </p:spTgt>
+                                        </p:tgtEl>
+                                      </p:cBhvr>
+                                    </p:animEffect>
+                                  </p:childTnLst>
+                                </p:cTn>
+                              </p:par>
+                            </p:childTnLst>
+                          </p:cTn>
+                        </p:par>
+                      </p:childTnLst>
+                    </p:cTn>
+                  </p:par>
+                  <p:par>
+                    <p:cTn id="28" fill="hold">
+                      <p:stCondLst>
+                        <p:cond delay="indefinite"/>
+                      </p:stCondLst>
+                      <p:childTnLst>
+                        <p:par>
+                          <p:cTn id="29" fill="hold">
+                            <p:stCondLst>
+                              <p:cond delay="0"/>
+                            </p:stCondLst>
+                            <p:childTnLst>
+                              <p:par>
+                                <p:cTn id="30" presetID="22" presetClass="entr" presetSubtype="8" fill="hold" nodeType="clickEffect">
+                                  <p:stCondLst>
+                                    <p:cond delay="0"/>
+                                  </p:stCondLst>
+                                  <p:childTnLst>
+                                    <p:set>
+                                      <p:cBhvr>
+                                        <p:cTn id="31" dur="1" fill="hold">
+                                          <p:stCondLst>
+                                            <p:cond delay="0"/>
+                                          </p:stCondLst>
+                                        </p:cTn>
+                                        <p:tgtEl>
+                                          <p:spTgt spid="44">
+                                            <p:txEl>
+                                              <p:pRg st="5" end="5"/>
+                                            </p:txEl>
+                                          </p:spTgt>
+                                        </p:tgtEl>
+                                        <p:attrNameLst>
+                                          <p:attrName>style.visibility</p:attrName>
+                                        </p:attrNameLst>
+                                      </p:cBhvr>
+                                      <p:to>
+                                        <p:strVal val="visible"/>
+                                      </p:to>
+                                    </p:set>
+                                    <p:animEffect transition="in" filter="wipe(left)">
+                                      <p:cBhvr>
+                                        <p:cTn id="32" dur="500"/>
+                                        <p:tgtEl>
+                                          <p:spTgt spid="44">
+                                            <p:txEl>
+                                              <p:pRg st="5" end="5"/>
+                                            </p:txEl>
+                                          </p:spTgt>
+                                        </p:tgtEl>
+                                      </p:cBhvr>
+                                    </p:animEffect>
+                                  </p:childTnLst>
+                                </p:cTn>
+                              </p:par>
+                            </p:childTnLst>
+                          </p:cTn>
+                        </p:par>
+                      </p:childTnLst>
+                    </p:cTn>
+                  </p:par>
+                  <p:par>
+                    <p:cTn id="33" fill="hold">
+                      <p:stCondLst>
+                        <p:cond delay="indefinite"/>
+                      </p:stCondLst>
+                      <p:childTnLst>
+                        <p:par>
+                          <p:cTn id="34" fill="hold">
+                            <p:stCondLst>
+                              <p:cond delay="0"/>
+                            </p:stCondLst>
+                            <p:childTnLst>
+                              <p:par>
+                                <p:cTn id="35" presetID="22" presetClass="entr" presetSubtype="8" fill="hold" nodeType="clickEffect">
+                                  <p:stCondLst>
+                                    <p:cond delay="0"/>
+                                  </p:stCondLst>
+                                  <p:childTnLst>
+                                    <p:set>
+                                      <p:cBhvr>
+                                        <p:cTn id="36" dur="1" fill="hold">
+                                          <p:stCondLst>
+                                            <p:cond delay="0"/>
+                                          </p:stCondLst>
+                                        </p:cTn>
+                                        <p:tgtEl>
+                                          <p:spTgt spid="44">
+                                            <p:txEl>
+                                              <p:pRg st="6" end="6"/>
+                                            </p:txEl>
+                                          </p:spTgt>
+                                        </p:tgtEl>
+                                        <p:attrNameLst>
+                                          <p:attrName>style.visibility</p:attrName>
+                                        </p:attrNameLst>
+                                      </p:cBhvr>
+                                      <p:to>
+                                        <p:strVal val="visible"/>
+                                      </p:to>
+                                    </p:set>
+                                    <p:animEffect transition="in" filter="wipe(left)">
+                                      <p:cBhvr>
+                                        <p:cTn id="37" dur="500"/>
+                                        <p:tgtEl>
+                                          <p:spTgt spid="44">
+                                            <p:txEl>
+                                              <p:pRg st="6" end="6"/>
+                                            </p:txEl>
+                                          </p:spTgt>
+                                        </p:tgtEl>
+                                      </p:cBhvr>
+                                    </p:animEffect>
+                                  </p:childTnLst>
+                                </p:cTn>
+                              </p:par>
+                            </p:childTnLst>
+                          </p:cTn>
+                        </p:par>
+                      </p:childTnLst>
+                    </p:cTn>
+                  </p:par>
+                  <p:par>
+                    <p:cTn id="38" fill="hold">
+                      <p:stCondLst>
+                        <p:cond delay="indefinite"/>
+                      </p:stCondLst>
+                      <p:childTnLst>
+                        <p:par>
+                          <p:cTn id="39" fill="hold">
+                            <p:stCondLst>
+                              <p:cond delay="0"/>
+                            </p:stCondLst>
+                            <p:childTnLst>
+                              <p:par>
+                                <p:cTn id="40" presetID="22" presetClass="entr" presetSubtype="8" fill="hold" nodeType="clickEffect">
+                                  <p:stCondLst>
+                                    <p:cond delay="0"/>
+                                  </p:stCondLst>
+                                  <p:childTnLst>
+                                    <p:set>
+                                      <p:cBhvr>
+                                        <p:cTn id="41" dur="1" fill="hold">
+                                          <p:stCondLst>
+                                            <p:cond delay="0"/>
+                                          </p:stCondLst>
+                                        </p:cTn>
+                                        <p:tgtEl>
+                                          <p:spTgt spid="44">
+                                            <p:txEl>
+                                              <p:pRg st="7" end="7"/>
+                                            </p:txEl>
+                                          </p:spTgt>
+                                        </p:tgtEl>
+                                        <p:attrNameLst>
+                                          <p:attrName>style.visibility</p:attrName>
+                                        </p:attrNameLst>
+                                      </p:cBhvr>
+                                      <p:to>
+                                        <p:strVal val="visible"/>
+                                      </p:to>
+                                    </p:set>
+                                    <p:animEffect transition="in" filter="wipe(left)">
+                                      <p:cBhvr>
+                                        <p:cTn id="42" dur="500"/>
+                                        <p:tgtEl>
+                                          <p:spTgt spid="44">
+                                            <p:txEl>
+                                              <p:pRg st="7" end="7"/>
+                                            </p:txEl>
+                                          </p:spTgt>
+                                        </p:tgtEl>
+                                      </p:cBhvr>
+                                    </p:animEffect>
+                                  </p:childTnLst>
+                                </p:cTn>
+                              </p:par>
+                            </p:childTnLst>
+                          </p:cTn>
+                        </p:par>
+                      </p:childTnLst>
+                    </p:cTn>
+                  </p:par>
+                </p:childTnLst>
+              </p:cTn>
+              <p:prevCondLst>
+                <p:cond evt="onPrev" delay="0">
+                  <p:tgtEl>
+                    <p:sldTgt/>
+                  </p:tgtEl>
+                </p:cond>
+              </p:prevCondLst>
+              <p:nextCondLst>
+                <p:cond evt="onNext" delay="0">
+                  <p:tgtEl>
+                    <p:sldTgt/>
+                  </p:tgtEl>
+                </p:cond>
+              </p:nextCondLst>
+            </p:seq>
+          </p:childTnLst>
+        </p:cTn>
+      </p:par>
+    </p:tnLst>
+  </p:timing>
+</p:sld>
+</file>
+
+<file path=ppt/slides/slide15.xml><?xml version="1.0" encoding="utf-8"?>
+<p:sld xmlns:a="http://schemas.openxmlformats.org/drawingml/2006/main" xmlns:r="http://schemas.openxmlformats.org/officeDocument/2006/relationships" xmlns:p="http://schemas.openxmlformats.org/presentationml/2006/main">
+  <p:cSld>
+    <p:spTree>
+      <p:nvGrpSpPr>
+        <p:cNvPr id="1" name=""/>
+        <p:cNvGrpSpPr/>
+        <p:nvPr/>
+      </p:nvGrpSpPr>
+      <p:grpSpPr>
+        <a:xfrm>
+          <a:off x="0" y="0"/>
+          <a:ext cx="0" cy="0"/>
+          <a:chOff x="0" y="0"/>
+          <a:chExt cx="0" cy="0"/>
+        </a:xfrm>
+      </p:grpSpPr>
+      <p:sp>
+        <p:nvSpPr>
+          <p:cNvPr id="4" name="标题 3"/>
+          <p:cNvSpPr>
+            <a:spLocks noGrp="1"/>
+          </p:cNvSpPr>
+          <p:nvPr>
+            <p:ph type="title"/>
+          </p:nvPr>
+        </p:nvSpPr>
+        <p:spPr/>
+        <p:txBody>
+          <a:bodyPr/>
+          <a:lstStyle/>
+          <a:p>
+            <a:r>
+              <a:rPr lang="zh-CN" altLang="en-US"/>
+              <a:t>设计模式</a:t>
+            </a:r>
+            <a:r>
+              <a:rPr lang="en-US" altLang="zh-CN"/>
+              <a:t>-</a:t>
+            </a:r>
+            <a:r>
+              <a:t>适配器模式</a:t>
+            </a:r>
+          </a:p>
+        </p:txBody>
+      </p:sp>
+      <p:sp>
+        <p:nvSpPr>
+          <p:cNvPr id="44" name="文本框 43"/>
+          <p:cNvSpPr txBox="1"/>
+          <p:nvPr/>
+        </p:nvSpPr>
+        <p:spPr>
+          <a:xfrm>
+            <a:off x="331470" y="1167130"/>
+            <a:ext cx="11501755" cy="1937385"/>
+          </a:xfrm>
+          <a:prstGeom prst="rect">
+            <a:avLst/>
+          </a:prstGeom>
+          <a:noFill/>
+        </p:spPr>
+        <p:txBody>
+          <a:bodyPr wrap="square" rtlCol="0">
+            <a:noAutofit/>
+          </a:bodyPr>
+          <a:p>
+            <a:pPr marL="342900" indent="-342900">
+              <a:lnSpc>
+                <a:spcPts val="2200"/>
+              </a:lnSpc>
+              <a:buFont typeface="Wingdings" panose="05000000000000000000" pitchFamily="2" charset="2"/>
+              <a:buChar char="n"/>
+            </a:pPr>
+            <a:r>
+              <a:rPr lang="zh-CN" altLang="en-US" sz="1600">
+                <a:solidFill>
+                  <a:schemeClr val="tx1">
+                    <a:lumMod val="65000"/>
+                    <a:lumOff val="35000"/>
+                  </a:schemeClr>
+                </a:solidFill>
+                <a:latin typeface="微软雅黑" panose="020B0503020204020204" pitchFamily="34" charset="-122"/>
+                <a:ea typeface="微软雅黑" panose="020B0503020204020204" pitchFamily="34" charset="-122"/>
+              </a:rPr>
+              <a:t>优点：将目标类和适配者类解耦，通过引入一个适配器类来重用现有的适配者类，而无须修改原有代码。增加了类的透明性和复用性，将具体的实现封装在适配者类中，对于客户端类来说是透明的，而且提高了适配者的复用性。灵活性和扩展性都非常好，通过使用配置文件，可以很方便地更换适配器，也可以在不修改原有代码的基础上增加新的适配器类，完全符合“开闭原则”。</a:t>
+            </a:r>
+            <a:endParaRPr lang="zh-CN" altLang="en-US" sz="1600">
+              <a:solidFill>
+                <a:schemeClr val="tx1">
+                  <a:lumMod val="65000"/>
+                  <a:lumOff val="35000"/>
+                </a:schemeClr>
+              </a:solidFill>
+              <a:latin typeface="微软雅黑" panose="020B0503020204020204" pitchFamily="34" charset="-122"/>
+              <a:ea typeface="微软雅黑" panose="020B0503020204020204" pitchFamily="34" charset="-122"/>
+            </a:endParaRPr>
+          </a:p>
+          <a:p>
+            <a:pPr marL="342900" lvl="0" indent="-342900">
+              <a:lnSpc>
+                <a:spcPts val="2200"/>
+              </a:lnSpc>
+              <a:buFont typeface="Wingdings" panose="05000000000000000000" pitchFamily="2" charset="2"/>
+              <a:buChar char="n"/>
+            </a:pPr>
+            <a:endParaRPr lang="en-US" altLang="zh-CN" sz="1600">
+              <a:solidFill>
+                <a:schemeClr val="tx1">
+                  <a:lumMod val="65000"/>
+                  <a:lumOff val="35000"/>
+                </a:schemeClr>
+              </a:solidFill>
+              <a:latin typeface="微软雅黑" panose="020B0503020204020204" pitchFamily="34" charset="-122"/>
+              <a:ea typeface="微软雅黑" panose="020B0503020204020204" pitchFamily="34" charset="-122"/>
+            </a:endParaRPr>
+          </a:p>
+          <a:p>
+            <a:pPr marL="342900" lvl="0" indent="-342900">
+              <a:lnSpc>
+                <a:spcPts val="2200"/>
+              </a:lnSpc>
+              <a:buFont typeface="Wingdings" panose="05000000000000000000" pitchFamily="2" charset="2"/>
+              <a:buChar char="n"/>
+            </a:pPr>
+            <a:r>
+              <a:rPr lang="zh-CN" altLang="en-US" sz="1600">
+                <a:solidFill>
+                  <a:schemeClr val="tx1">
+                    <a:lumMod val="65000"/>
+                    <a:lumOff val="35000"/>
+                  </a:schemeClr>
+                </a:solidFill>
+                <a:latin typeface="微软雅黑" panose="020B0503020204020204" pitchFamily="34" charset="-122"/>
+                <a:ea typeface="微软雅黑" panose="020B0503020204020204" pitchFamily="34" charset="-122"/>
+              </a:rPr>
+              <a:t>对三方的二次封装可算作适配器模式的应用</a:t>
+            </a:r>
+            <a:endParaRPr lang="zh-CN" altLang="en-US" sz="1600">
+              <a:solidFill>
+                <a:schemeClr val="tx1">
+                  <a:lumMod val="65000"/>
+                  <a:lumOff val="35000"/>
+                </a:schemeClr>
+              </a:solidFill>
+              <a:latin typeface="微软雅黑" panose="020B0503020204020204" pitchFamily="34" charset="-122"/>
+              <a:ea typeface="微软雅黑" panose="020B0503020204020204" pitchFamily="34" charset="-122"/>
+            </a:endParaRPr>
+          </a:p>
+        </p:txBody>
+      </p:sp>
+      <p:pic>
+        <p:nvPicPr>
+          <p:cNvPr id="3" name="图片 2"/>
+          <p:cNvPicPr>
+            <a:picLocks noChangeAspect="1"/>
+          </p:cNvPicPr>
+          <p:nvPr/>
+        </p:nvPicPr>
+        <p:blipFill>
+          <a:blip r:embed="rId1"/>
+          <a:stretch>
+            <a:fillRect/>
+          </a:stretch>
+        </p:blipFill>
+        <p:spPr>
+          <a:xfrm>
+            <a:off x="2313305" y="3697605"/>
+            <a:ext cx="6699250" cy="2945765"/>
+          </a:xfrm>
+          <a:prstGeom prst="rect">
+            <a:avLst/>
+          </a:prstGeom>
+        </p:spPr>
+      </p:pic>
+    </p:spTree>
+  </p:cSld>
+  <p:clrMapOvr>
+    <a:masterClrMapping/>
+  </p:clrMapOvr>
+  <p:timing>
+    <p:tnLst>
+      <p:par>
+        <p:cTn id="1" dur="indefinite" restart="never" nodeType="tmRoot">
+          <p:childTnLst>
+            <p:seq concurrent="1" nextAc="seek">
+              <p:cTn id="2" dur="indefinite" nodeType="mainSeq">
+                <p:childTnLst>
+                  <p:par>
+                    <p:cTn id="3" fill="hold">
+                      <p:stCondLst>
+                        <p:cond delay="indefinite"/>
+                      </p:stCondLst>
+                      <p:childTnLst>
+                        <p:par>
+                          <p:cTn id="4" fill="hold">
+                            <p:stCondLst>
+                              <p:cond delay="0"/>
+                            </p:stCondLst>
+                            <p:childTnLst>
+                              <p:par>
+                                <p:cTn id="5" presetID="22" presetClass="entr" presetSubtype="8" fill="hold" nodeType="clickEffect">
+                                  <p:stCondLst>
+                                    <p:cond delay="0"/>
+                                  </p:stCondLst>
+                                  <p:childTnLst>
+                                    <p:set>
+                                      <p:cBhvr>
+                                        <p:cTn id="6" dur="1" fill="hold">
+                                          <p:stCondLst>
+                                            <p:cond delay="0"/>
+                                          </p:stCondLst>
+                                        </p:cTn>
+                                        <p:tgtEl>
+                                          <p:spTgt spid="44">
+                                            <p:txEl>
+                                              <p:pRg st="0" end="0"/>
+                                            </p:txEl>
+                                          </p:spTgt>
+                                        </p:tgtEl>
+                                        <p:attrNameLst>
+                                          <p:attrName>style.visibility</p:attrName>
+                                        </p:attrNameLst>
+                                      </p:cBhvr>
+                                      <p:to>
+                                        <p:strVal val="visible"/>
+                                      </p:to>
+                                    </p:set>
+                                    <p:animEffect transition="in" filter="wipe(left)">
+                                      <p:cBhvr>
+                                        <p:cTn id="7" dur="500"/>
+                                        <p:tgtEl>
+                                          <p:spTgt spid="44">
+                                            <p:txEl>
+                                              <p:pRg st="0" end="0"/>
+                                            </p:txEl>
+                                          </p:spTgt>
+                                        </p:tgtEl>
+                                      </p:cBhvr>
+                                    </p:animEffect>
+                                  </p:childTnLst>
+                                </p:cTn>
+                              </p:par>
+                            </p:childTnLst>
+                          </p:cTn>
+                        </p:par>
+                      </p:childTnLst>
+                    </p:cTn>
+                  </p:par>
+                  <p:par>
+                    <p:cTn id="8" fill="hold">
+                      <p:stCondLst>
+                        <p:cond delay="indefinite"/>
+                      </p:stCondLst>
+                      <p:childTnLst>
+                        <p:par>
+                          <p:cTn id="9" fill="hold">
+                            <p:stCondLst>
+                              <p:cond delay="0"/>
+                            </p:stCondLst>
+                            <p:childTnLst>
+                              <p:par>
+                                <p:cTn id="10" presetID="22" presetClass="entr" presetSubtype="8" fill="hold" nodeType="clickEffect">
+                                  <p:stCondLst>
+                                    <p:cond delay="0"/>
+                                  </p:stCondLst>
+                                  <p:childTnLst>
+                                    <p:set>
+                                      <p:cBhvr>
+                                        <p:cTn id="11" dur="1" fill="hold">
+                                          <p:stCondLst>
+                                            <p:cond delay="0"/>
+                                          </p:stCondLst>
+                                        </p:cTn>
+                                        <p:tgtEl>
+                                          <p:spTgt spid="44">
+                                            <p:txEl>
+                                              <p:pRg st="2" end="2"/>
+                                            </p:txEl>
+                                          </p:spTgt>
+                                        </p:tgtEl>
+                                        <p:attrNameLst>
+                                          <p:attrName>style.visibility</p:attrName>
+                                        </p:attrNameLst>
+                                      </p:cBhvr>
+                                      <p:to>
+                                        <p:strVal val="visible"/>
+                                      </p:to>
+                                    </p:set>
+                                    <p:animEffect transition="in" filter="wipe(left)">
+                                      <p:cBhvr>
+                                        <p:cTn id="12" dur="500"/>
+                                        <p:tgtEl>
+                                          <p:spTgt spid="44">
+                                            <p:txEl>
+                                              <p:pRg st="2" end="2"/>
+                                            </p:txEl>
+                                          </p:spTgt>
+                                        </p:tgtEl>
+                                      </p:cBhvr>
+                                    </p:animEffect>
+                                  </p:childTnLst>
+                                </p:cTn>
+                              </p:par>
+                            </p:childTnLst>
+                          </p:cTn>
+                        </p:par>
+                      </p:childTnLst>
+                    </p:cTn>
+                  </p:par>
+                </p:childTnLst>
+              </p:cTn>
+              <p:prevCondLst>
+                <p:cond evt="onPrev" delay="0">
+                  <p:tgtEl>
+                    <p:sldTgt/>
+                  </p:tgtEl>
+                </p:cond>
+              </p:prevCondLst>
+              <p:nextCondLst>
+                <p:cond evt="onNext" delay="0">
+                  <p:tgtEl>
+                    <p:sldTgt/>
+                  </p:tgtEl>
+                </p:cond>
+              </p:nextCondLst>
+            </p:seq>
+          </p:childTnLst>
+        </p:cTn>
+      </p:par>
+    </p:tnLst>
+  </p:timing>
+</p:sld>
+</file>
+
+<file path=ppt/slides/slide16.xml><?xml version="1.0" encoding="utf-8"?>
+<p:sld xmlns:a="http://schemas.openxmlformats.org/drawingml/2006/main" xmlns:r="http://schemas.openxmlformats.org/officeDocument/2006/relationships" xmlns:p="http://schemas.openxmlformats.org/presentationml/2006/main">
+  <p:cSld>
+    <p:spTree>
+      <p:nvGrpSpPr>
+        <p:cNvPr id="1" name=""/>
+        <p:cNvGrpSpPr/>
+        <p:nvPr/>
+      </p:nvGrpSpPr>
+      <p:grpSpPr>
+        <a:xfrm>
+          <a:off x="0" y="0"/>
+          <a:ext cx="0" cy="0"/>
+          <a:chOff x="0" y="0"/>
+          <a:chExt cx="0" cy="0"/>
+        </a:xfrm>
+      </p:grpSpPr>
+      <p:sp>
+        <p:nvSpPr>
+          <p:cNvPr id="4" name="标题 3"/>
+          <p:cNvSpPr>
+            <a:spLocks noGrp="1"/>
+          </p:cNvSpPr>
+          <p:nvPr>
+            <p:ph type="title"/>
+          </p:nvPr>
+        </p:nvSpPr>
+        <p:spPr/>
+        <p:txBody>
+          <a:bodyPr/>
+          <a:lstStyle/>
+          <a:p>
+            <a:r>
+              <a:rPr lang="zh-CN" altLang="en-US"/>
+              <a:t>设计模式</a:t>
+            </a:r>
+            <a:r>
+              <a:rPr lang="en-US" altLang="zh-CN"/>
+              <a:t>-</a:t>
+            </a:r>
+            <a:r>
+              <a:t>桥接模式</a:t>
+            </a:r>
+          </a:p>
+        </p:txBody>
+      </p:sp>
+      <p:pic>
+        <p:nvPicPr>
+          <p:cNvPr id="2" name="图片 1"/>
+          <p:cNvPicPr>
+            <a:picLocks noChangeAspect="1"/>
+          </p:cNvPicPr>
+          <p:nvPr/>
+        </p:nvPicPr>
+        <p:blipFill>
+          <a:blip r:embed="rId1"/>
+          <a:stretch>
+            <a:fillRect/>
+          </a:stretch>
+        </p:blipFill>
+        <p:spPr>
+          <a:xfrm>
+            <a:off x="1574800" y="2532380"/>
+            <a:ext cx="9043035" cy="4140200"/>
+          </a:xfrm>
+          <a:prstGeom prst="rect">
+            <a:avLst/>
+          </a:prstGeom>
+        </p:spPr>
+      </p:pic>
+      <p:sp>
+        <p:nvSpPr>
+          <p:cNvPr id="3" name="文本框 2"/>
+          <p:cNvSpPr txBox="1"/>
+          <p:nvPr/>
+        </p:nvSpPr>
+        <p:spPr>
+          <a:xfrm>
+            <a:off x="331470" y="1167130"/>
+            <a:ext cx="11501755" cy="885825"/>
+          </a:xfrm>
+          <a:prstGeom prst="rect">
+            <a:avLst/>
+          </a:prstGeom>
+          <a:noFill/>
+        </p:spPr>
+        <p:txBody>
+          <a:bodyPr wrap="square" rtlCol="0">
+            <a:noAutofit/>
+          </a:bodyPr>
+          <a:p>
+            <a:pPr marL="342900" indent="-342900">
+              <a:lnSpc>
+                <a:spcPts val="2200"/>
+              </a:lnSpc>
+              <a:buFont typeface="Wingdings" panose="05000000000000000000" pitchFamily="2" charset="2"/>
+              <a:buChar char="n"/>
+            </a:pPr>
+            <a:r>
+              <a:rPr lang="zh-CN" altLang="en-US" sz="1600">
+                <a:solidFill>
+                  <a:schemeClr val="tx1">
+                    <a:lumMod val="65000"/>
+                    <a:lumOff val="35000"/>
+                  </a:schemeClr>
+                </a:solidFill>
+                <a:latin typeface="微软雅黑" panose="020B0503020204020204" pitchFamily="34" charset="-122"/>
+                <a:ea typeface="微软雅黑" panose="020B0503020204020204" pitchFamily="34" charset="-122"/>
+              </a:rPr>
+              <a:t>理解桥接模式，重点需要理解如何将抽象化(Abstraction)与实现化(Implementation)脱耦，使得二者可以独立地变化。</a:t>
+            </a:r>
+            <a:endParaRPr lang="zh-CN" altLang="en-US" sz="1600">
+              <a:solidFill>
+                <a:schemeClr val="tx1">
+                  <a:lumMod val="65000"/>
+                  <a:lumOff val="35000"/>
+                </a:schemeClr>
+              </a:solidFill>
+              <a:latin typeface="微软雅黑" panose="020B0503020204020204" pitchFamily="34" charset="-122"/>
+              <a:ea typeface="微软雅黑" panose="020B0503020204020204" pitchFamily="34" charset="-122"/>
+            </a:endParaRPr>
+          </a:p>
+          <a:p>
+            <a:pPr marL="342900" indent="-342900">
+              <a:lnSpc>
+                <a:spcPts val="2200"/>
+              </a:lnSpc>
+              <a:buFont typeface="Wingdings" panose="05000000000000000000" pitchFamily="2" charset="2"/>
+              <a:buChar char="n"/>
+            </a:pPr>
+            <a:endParaRPr lang="zh-CN" altLang="en-US" sz="1600">
+              <a:solidFill>
+                <a:schemeClr val="tx1">
+                  <a:lumMod val="65000"/>
+                  <a:lumOff val="35000"/>
+                </a:schemeClr>
+              </a:solidFill>
+              <a:latin typeface="微软雅黑" panose="020B0503020204020204" pitchFamily="34" charset="-122"/>
+              <a:ea typeface="微软雅黑" panose="020B0503020204020204" pitchFamily="34" charset="-122"/>
+            </a:endParaRPr>
+          </a:p>
+        </p:txBody>
+      </p:sp>
+    </p:spTree>
+  </p:cSld>
+  <p:clrMapOvr>
+    <a:masterClrMapping/>
+  </p:clrMapOvr>
+  <p:timing>
+    <p:tnLst>
+      <p:par>
+        <p:cTn id="1" dur="indefinite" restart="never" nodeType="tmRoot">
+          <p:childTnLst>
+            <p:seq concurrent="1" nextAc="seek">
+              <p:cTn id="2" dur="indefinite" nodeType="mainSeq">
+                <p:childTnLst>
+                  <p:par>
+                    <p:cTn id="3" fill="hold">
+                      <p:stCondLst>
+                        <p:cond delay="indefinite"/>
+                      </p:stCondLst>
+                      <p:childTnLst>
+                        <p:par>
+                          <p:cTn id="4" fill="hold">
+                            <p:stCondLst>
+                              <p:cond delay="0"/>
+                            </p:stCondLst>
+                            <p:childTnLst>
+                              <p:par>
+                                <p:cTn id="5" presetID="22" presetClass="entr" presetSubtype="8" fill="hold" nodeType="clickEffect">
+                                  <p:stCondLst>
+                                    <p:cond delay="0"/>
+                                  </p:stCondLst>
+                                  <p:childTnLst>
+                                    <p:set>
+                                      <p:cBhvr>
+                                        <p:cTn id="6" dur="1" fill="hold">
+                                          <p:stCondLst>
+                                            <p:cond delay="0"/>
+                                          </p:stCondLst>
+                                        </p:cTn>
+                                        <p:tgtEl>
+                                          <p:spTgt spid="3">
+                                            <p:txEl>
+                                              <p:pRg st="0" end="0"/>
+                                            </p:txEl>
+                                          </p:spTgt>
+                                        </p:tgtEl>
+                                        <p:attrNameLst>
+                                          <p:attrName>style.visibility</p:attrName>
+                                        </p:attrNameLst>
+                                      </p:cBhvr>
+                                      <p:to>
+                                        <p:strVal val="visible"/>
+                                      </p:to>
+                                    </p:set>
+                                    <p:animEffect transition="in" filter="wipe(left)">
+                                      <p:cBhvr>
+                                        <p:cTn id="7" dur="500"/>
+                                        <p:tgtEl>
+                                          <p:spTgt spid="3">
+                                            <p:txEl>
+                                              <p:pRg st="0" end="0"/>
+                                            </p:txEl>
+                                          </p:spTgt>
+                                        </p:tgtEl>
+                                      </p:cBhvr>
+                                    </p:animEffect>
+                                  </p:childTnLst>
+                                </p:cTn>
+                              </p:par>
+                            </p:childTnLst>
+                          </p:cTn>
+                        </p:par>
+                      </p:childTnLst>
+                    </p:cTn>
+                  </p:par>
+                </p:childTnLst>
+              </p:cTn>
+              <p:prevCondLst>
+                <p:cond evt="onPrev" delay="0">
+                  <p:tgtEl>
+                    <p:sldTgt/>
+                  </p:tgtEl>
+                </p:cond>
+              </p:prevCondLst>
+              <p:nextCondLst>
+                <p:cond evt="onNext" delay="0">
+                  <p:tgtEl>
+                    <p:sldTgt/>
+                  </p:tgtEl>
+                </p:cond>
+              </p:nextCondLst>
+            </p:seq>
+          </p:childTnLst>
+        </p:cTn>
       </p:par>
     </p:tnLst>
   </p:timing>
@@ -2237,13 +4397,7 @@
       </p:grpSpPr>
       <p:sp>
         <p:nvSpPr>
-          <p:cNvPr id="4" name="标题 3">
-            <a:extLst>
-              <a:ext uri="{FF2B5EF4-FFF2-40B4-BE49-F238E27FC236}">
-                <a16:creationId xmlns="" xmlns:a16="http://schemas.microsoft.com/office/drawing/2014/main" id="{5DCC7AE5-7EF9-4964-8408-F84B72D5D253}"/>
-              </a:ext>
-            </a:extLst>
-          </p:cNvPr>
+          <p:cNvPr id="4" name="标题 3"/>
           <p:cNvSpPr>
             <a:spLocks noGrp="1"/>
           </p:cNvSpPr>
@@ -2260,6 +4414,7 @@
               <a:rPr lang="zh-CN" altLang="en-US"/>
               <a:t>面试题</a:t>
             </a:r>
+            <a:endParaRPr lang="zh-CN" altLang="en-US"/>
           </a:p>
         </p:txBody>
       </p:sp>
@@ -2289,7 +4444,7 @@
               <a:lnSpc>
                 <a:spcPts val="2200"/>
               </a:lnSpc>
-              <a:buFont typeface="Wingdings" charset="2"/>
+              <a:buFont typeface="Wingdings" panose="05000000000000000000" pitchFamily="2" charset="2"/>
               <a:buChar char="n"/>
             </a:pPr>
             <a:r>
@@ -2399,7 +4554,7 @@
               <a:lnSpc>
                 <a:spcPts val="2200"/>
               </a:lnSpc>
-              <a:buFont typeface="Wingdings" charset="2"/>
+              <a:buFont typeface="Wingdings" panose="05000000000000000000" pitchFamily="2" charset="2"/>
               <a:buChar char="n"/>
             </a:pPr>
             <a:endParaRPr lang="en-US" altLang="zh-CN" sz="1600">
@@ -2418,7 +4573,7 @@
               <a:lnSpc>
                 <a:spcPts val="2200"/>
               </a:lnSpc>
-              <a:buFont typeface="Wingdings" charset="2"/>
+              <a:buFont typeface="Wingdings" panose="05000000000000000000" pitchFamily="2" charset="2"/>
               <a:buChar char="n"/>
             </a:pPr>
             <a:r>
@@ -2450,7 +4605,7 @@
               <a:lnSpc>
                 <a:spcPts val="2200"/>
               </a:lnSpc>
-              <a:buFont typeface="Wingdings" charset="2"/>
+              <a:buFont typeface="Wingdings" panose="05000000000000000000" pitchFamily="2" charset="2"/>
               <a:buChar char="n"/>
             </a:pPr>
             <a:endParaRPr lang="en-US" altLang="zh-CN" sz="1600">
@@ -2469,7 +4624,7 @@
               <a:lnSpc>
                 <a:spcPts val="2200"/>
               </a:lnSpc>
-              <a:buFont typeface="Wingdings" charset="2"/>
+              <a:buFont typeface="Wingdings" panose="05000000000000000000" pitchFamily="2" charset="2"/>
               <a:buChar char="n"/>
             </a:pPr>
             <a:r>
@@ -2485,15 +4640,20 @@
               </a:rPr>
               <a:t>一般开始做一个项目，你的架构是如何思考的？</a:t>
             </a:r>
+            <a:endParaRPr lang="zh-CN" altLang="en-US" sz="1600">
+              <a:solidFill>
+                <a:schemeClr val="tx1">
+                  <a:lumMod val="65000"/>
+                  <a:lumOff val="35000"/>
+                </a:schemeClr>
+              </a:solidFill>
+              <a:latin typeface="微软雅黑" panose="020B0503020204020204" pitchFamily="34" charset="-122"/>
+              <a:ea typeface="微软雅黑" panose="020B0503020204020204" pitchFamily="34" charset="-122"/>
+            </a:endParaRPr>
           </a:p>
         </p:txBody>
       </p:sp>
     </p:spTree>
-    <p:extLst>
-      <p:ext uri="{BB962C8B-B14F-4D97-AF65-F5344CB8AC3E}">
-        <p14:creationId xmlns:p14="http://schemas.microsoft.com/office/powerpoint/2010/main" val="1750241496"/>
-      </p:ext>
-    </p:extLst>
   </p:cSld>
   <p:clrMapOvr>
     <a:masterClrMapping/>
@@ -2733,13 +4893,7 @@
       </p:grpSpPr>
       <p:sp>
         <p:nvSpPr>
-          <p:cNvPr id="4" name="标题 3">
-            <a:extLst>
-              <a:ext uri="{FF2B5EF4-FFF2-40B4-BE49-F238E27FC236}">
-                <a16:creationId xmlns="" xmlns:a16="http://schemas.microsoft.com/office/drawing/2014/main" id="{5DCC7AE5-7EF9-4964-8408-F84B72D5D253}"/>
-              </a:ext>
-            </a:extLst>
-          </p:cNvPr>
+          <p:cNvPr id="4" name="标题 3"/>
           <p:cNvSpPr>
             <a:spLocks noGrp="1"/>
           </p:cNvSpPr>
@@ -2756,6 +4910,7 @@
               <a:rPr lang="zh-CN" altLang="en-US"/>
               <a:t>何为架构？</a:t>
             </a:r>
+            <a:endParaRPr lang="zh-CN" altLang="en-US"/>
           </a:p>
         </p:txBody>
       </p:sp>
@@ -2785,7 +4940,7 @@
               <a:lnSpc>
                 <a:spcPts val="2200"/>
               </a:lnSpc>
-              <a:buFont typeface="Wingdings" charset="2"/>
+              <a:buFont typeface="Wingdings" panose="05000000000000000000" pitchFamily="2" charset="2"/>
               <a:buChar char="n"/>
             </a:pPr>
             <a:r>
@@ -2843,7 +4998,7 @@
               <a:lnSpc>
                 <a:spcPts val="2200"/>
               </a:lnSpc>
-              <a:buFont typeface="Wingdings" charset="2"/>
+              <a:buFont typeface="Wingdings" panose="05000000000000000000" pitchFamily="2" charset="2"/>
               <a:buChar char="p"/>
             </a:pPr>
             <a:r>
@@ -2875,7 +5030,7 @@
               <a:lnSpc>
                 <a:spcPts val="2200"/>
               </a:lnSpc>
-              <a:buFont typeface="Wingdings" charset="2"/>
+              <a:buFont typeface="Wingdings" panose="05000000000000000000" pitchFamily="2" charset="2"/>
               <a:buChar char="p"/>
             </a:pPr>
             <a:r>
@@ -2907,7 +5062,7 @@
               <a:lnSpc>
                 <a:spcPts val="2200"/>
               </a:lnSpc>
-              <a:buFont typeface="Wingdings" charset="2"/>
+              <a:buFont typeface="Wingdings" panose="05000000000000000000" pitchFamily="2" charset="2"/>
               <a:buChar char="p"/>
             </a:pPr>
             <a:endParaRPr lang="en-US" altLang="zh-CN" sz="1600">
@@ -2926,7 +5081,7 @@
               <a:lnSpc>
                 <a:spcPts val="2200"/>
               </a:lnSpc>
-              <a:buFont typeface="Wingdings" charset="2"/>
+              <a:buFont typeface="Wingdings" panose="05000000000000000000" pitchFamily="2" charset="2"/>
               <a:buChar char="n"/>
             </a:pPr>
             <a:r>
@@ -2958,7 +5113,7 @@
               <a:lnSpc>
                 <a:spcPts val="2200"/>
               </a:lnSpc>
-              <a:buFont typeface="Wingdings" charset="2"/>
+              <a:buFont typeface="Wingdings" panose="05000000000000000000" pitchFamily="2" charset="2"/>
               <a:buChar char="p"/>
             </a:pPr>
             <a:r>
@@ -3078,13 +5233,23 @@
               </a:rPr>
               <a:t>CDD</a:t>
             </a:r>
+            <a:endParaRPr lang="en-US" altLang="zh-CN" sz="1600">
+              <a:solidFill>
+                <a:schemeClr val="tx1">
+                  <a:lumMod val="65000"/>
+                  <a:lumOff val="35000"/>
+                </a:schemeClr>
+              </a:solidFill>
+              <a:latin typeface="微软雅黑" panose="020B0503020204020204" pitchFamily="34" charset="-122"/>
+              <a:ea typeface="微软雅黑" panose="020B0503020204020204" pitchFamily="34" charset="-122"/>
+            </a:endParaRPr>
           </a:p>
           <a:p>
             <a:pPr marL="342900" indent="-342900">
               <a:lnSpc>
                 <a:spcPts val="2200"/>
               </a:lnSpc>
-              <a:buFont typeface="Wingdings" charset="2"/>
+              <a:buFont typeface="Wingdings" panose="05000000000000000000" pitchFamily="2" charset="2"/>
               <a:buChar char="p"/>
             </a:pPr>
             <a:r>
@@ -3116,7 +5281,7 @@
               <a:lnSpc>
                 <a:spcPts val="2200"/>
               </a:lnSpc>
-              <a:buFont typeface="Wingdings" charset="2"/>
+              <a:buFont typeface="Wingdings" panose="05000000000000000000" pitchFamily="2" charset="2"/>
               <a:buChar char="p"/>
             </a:pPr>
             <a:r>
@@ -3132,15 +5297,20 @@
               </a:rPr>
               <a:t>......</a:t>
             </a:r>
+            <a:endParaRPr lang="en-US" altLang="zh-CN" sz="1600">
+              <a:solidFill>
+                <a:schemeClr val="tx1">
+                  <a:lumMod val="65000"/>
+                  <a:lumOff val="35000"/>
+                </a:schemeClr>
+              </a:solidFill>
+              <a:latin typeface="微软雅黑" panose="020B0503020204020204" pitchFamily="34" charset="-122"/>
+              <a:ea typeface="微软雅黑" panose="020B0503020204020204" pitchFamily="34" charset="-122"/>
+            </a:endParaRPr>
           </a:p>
         </p:txBody>
       </p:sp>
     </p:spTree>
-    <p:extLst>
-      <p:ext uri="{BB962C8B-B14F-4D97-AF65-F5344CB8AC3E}">
-        <p14:creationId xmlns:p14="http://schemas.microsoft.com/office/powerpoint/2010/main" val="111477340"/>
-      </p:ext>
-    </p:extLst>
   </p:cSld>
   <p:clrMapOvr>
     <a:masterClrMapping/>
@@ -3624,13 +5794,7 @@
       </p:grpSpPr>
       <p:sp>
         <p:nvSpPr>
-          <p:cNvPr id="4" name="标题 3">
-            <a:extLst>
-              <a:ext uri="{FF2B5EF4-FFF2-40B4-BE49-F238E27FC236}">
-                <a16:creationId xmlns="" xmlns:a16="http://schemas.microsoft.com/office/drawing/2014/main" id="{5DCC7AE5-7EF9-4964-8408-F84B72D5D253}"/>
-              </a:ext>
-            </a:extLst>
-          </p:cNvPr>
+          <p:cNvPr id="4" name="标题 3"/>
           <p:cNvSpPr>
             <a:spLocks noGrp="1"/>
           </p:cNvSpPr>
@@ -3667,6 +5831,7 @@
               <a:rPr lang="zh-CN" altLang="en-US"/>
               <a:t>版</a:t>
             </a:r>
+            <a:endParaRPr lang="zh-CN" altLang="en-US"/>
           </a:p>
         </p:txBody>
       </p:sp>
@@ -3823,6 +5988,7 @@
               <a:rPr kumimoji="1" lang="en-US" altLang="zh-CN"/>
               <a:t>View</a:t>
             </a:r>
+            <a:endParaRPr kumimoji="1" lang="en-US" altLang="zh-CN"/>
           </a:p>
         </p:txBody>
       </p:sp>
@@ -4184,11 +6350,6 @@
         </p:txBody>
       </p:sp>
     </p:spTree>
-    <p:extLst>
-      <p:ext uri="{BB962C8B-B14F-4D97-AF65-F5344CB8AC3E}">
-        <p14:creationId xmlns:p14="http://schemas.microsoft.com/office/powerpoint/2010/main" val="193473719"/>
-      </p:ext>
-    </p:extLst>
   </p:cSld>
   <p:clrMapOvr>
     <a:masterClrMapping/>
@@ -4657,13 +6818,7 @@
       </p:grpSpPr>
       <p:sp>
         <p:nvSpPr>
-          <p:cNvPr id="4" name="标题 3">
-            <a:extLst>
-              <a:ext uri="{FF2B5EF4-FFF2-40B4-BE49-F238E27FC236}">
-                <a16:creationId xmlns="" xmlns:a16="http://schemas.microsoft.com/office/drawing/2014/main" id="{5DCC7AE5-7EF9-4964-8408-F84B72D5D253}"/>
-              </a:ext>
-            </a:extLst>
-          </p:cNvPr>
+          <p:cNvPr id="4" name="标题 3"/>
           <p:cNvSpPr>
             <a:spLocks noGrp="1"/>
           </p:cNvSpPr>
@@ -4685,13 +6840,14 @@
               <a:t> </a:t>
             </a:r>
             <a:r>
-              <a:rPr lang="mr-IN" altLang="zh-CN"/>
+              <a:rPr lang="en-US" altLang="zh-CN"/>
               <a:t>–</a:t>
             </a:r>
             <a:r>
               <a:rPr lang="zh-CN" altLang="en-US"/>
               <a:t> 变种</a:t>
             </a:r>
+            <a:endParaRPr lang="zh-CN" altLang="en-US"/>
           </a:p>
         </p:txBody>
       </p:sp>
@@ -5244,15 +7400,20 @@
               </a:rPr>
               <a:t>Model</a:t>
             </a:r>
+            <a:endParaRPr lang="en-US" altLang="zh-CN" sz="1600">
+              <a:solidFill>
+                <a:schemeClr val="tx1">
+                  <a:lumMod val="65000"/>
+                  <a:lumOff val="35000"/>
+                </a:schemeClr>
+              </a:solidFill>
+              <a:latin typeface="微软雅黑" panose="020B0503020204020204" pitchFamily="34" charset="-122"/>
+              <a:ea typeface="微软雅黑" panose="020B0503020204020204" pitchFamily="34" charset="-122"/>
+            </a:endParaRPr>
           </a:p>
         </p:txBody>
       </p:sp>
     </p:spTree>
-    <p:extLst>
-      <p:ext uri="{BB962C8B-B14F-4D97-AF65-F5344CB8AC3E}">
-        <p14:creationId xmlns:p14="http://schemas.microsoft.com/office/powerpoint/2010/main" val="350224727"/>
-      </p:ext>
-    </p:extLst>
   </p:cSld>
   <p:clrMapOvr>
     <a:masterClrMapping/>
@@ -5736,13 +7897,7 @@
       </p:grpSpPr>
       <p:sp>
         <p:nvSpPr>
-          <p:cNvPr id="4" name="标题 3">
-            <a:extLst>
-              <a:ext uri="{FF2B5EF4-FFF2-40B4-BE49-F238E27FC236}">
-                <a16:creationId xmlns="" xmlns:a16="http://schemas.microsoft.com/office/drawing/2014/main" id="{5DCC7AE5-7EF9-4964-8408-F84B72D5D253}"/>
-              </a:ext>
-            </a:extLst>
-          </p:cNvPr>
+          <p:cNvPr id="4" name="标题 3"/>
           <p:cNvSpPr>
             <a:spLocks noGrp="1"/>
           </p:cNvSpPr>
@@ -6117,11 +8272,6 @@
         </p:style>
       </p:cxnSp>
     </p:spTree>
-    <p:extLst>
-      <p:ext uri="{BB962C8B-B14F-4D97-AF65-F5344CB8AC3E}">
-        <p14:creationId xmlns:p14="http://schemas.microsoft.com/office/powerpoint/2010/main" val="665109535"/>
-      </p:ext>
-    </p:extLst>
   </p:cSld>
   <p:clrMapOvr>
     <a:masterClrMapping/>
@@ -6559,13 +8709,7 @@
       </p:grpSpPr>
       <p:sp>
         <p:nvSpPr>
-          <p:cNvPr id="4" name="标题 3">
-            <a:extLst>
-              <a:ext uri="{FF2B5EF4-FFF2-40B4-BE49-F238E27FC236}">
-                <a16:creationId xmlns="" xmlns:a16="http://schemas.microsoft.com/office/drawing/2014/main" id="{5DCC7AE5-7EF9-4964-8408-F84B72D5D253}"/>
-              </a:ext>
-            </a:extLst>
-          </p:cNvPr>
+          <p:cNvPr id="4" name="标题 3"/>
           <p:cNvSpPr>
             <a:spLocks noGrp="1"/>
           </p:cNvSpPr>
@@ -6940,11 +9084,6 @@
         </p:style>
       </p:cxnSp>
     </p:spTree>
-    <p:extLst>
-      <p:ext uri="{BB962C8B-B14F-4D97-AF65-F5344CB8AC3E}">
-        <p14:creationId xmlns:p14="http://schemas.microsoft.com/office/powerpoint/2010/main" val="831091736"/>
-      </p:ext>
-    </p:extLst>
   </p:cSld>
   <p:clrMapOvr>
     <a:masterClrMapping/>
@@ -7488,6 +9627,7 @@
               <a:rPr kumimoji="1" lang="zh-CN" altLang="en-US"/>
               <a:t>业务层</a:t>
             </a:r>
+            <a:endParaRPr kumimoji="1" lang="zh-CN" altLang="en-US"/>
           </a:p>
         </p:txBody>
       </p:sp>
@@ -7639,6 +9779,7 @@
               <a:rPr kumimoji="1" lang="zh-CN" altLang="en-US"/>
               <a:t>新闻页面</a:t>
             </a:r>
+            <a:endParaRPr kumimoji="1" lang="zh-CN" altLang="en-US"/>
           </a:p>
         </p:txBody>
       </p:sp>
@@ -7702,6 +9843,7 @@
               <a:rPr kumimoji="1" lang="zh-CN" altLang="en-US"/>
               <a:t>加载新闻数据</a:t>
             </a:r>
+            <a:endParaRPr kumimoji="1" lang="zh-CN" altLang="en-US"/>
           </a:p>
         </p:txBody>
       </p:sp>
@@ -7731,6 +9873,7 @@
               <a:rPr kumimoji="1" lang="zh-CN" altLang="en-US"/>
               <a:t>通过网络、本地数据库</a:t>
             </a:r>
+            <a:endParaRPr kumimoji="1" lang="zh-CN" altLang="en-US"/>
           </a:p>
         </p:txBody>
       </p:sp>
@@ -7818,11 +9961,6 @@
         </p:style>
       </p:cxnSp>
     </p:spTree>
-    <p:extLst>
-      <p:ext uri="{BB962C8B-B14F-4D97-AF65-F5344CB8AC3E}">
-        <p14:creationId xmlns:p14="http://schemas.microsoft.com/office/powerpoint/2010/main" val="939817511"/>
-      </p:ext>
-    </p:extLst>
   </p:cSld>
   <p:clrMapOvr>
     <a:masterClrMapping/>
@@ -7856,13 +9994,7 @@
       </p:grpSpPr>
       <p:sp>
         <p:nvSpPr>
-          <p:cNvPr id="4" name="标题 3">
-            <a:extLst>
-              <a:ext uri="{FF2B5EF4-FFF2-40B4-BE49-F238E27FC236}">
-                <a16:creationId xmlns="" xmlns:a16="http://schemas.microsoft.com/office/drawing/2014/main" id="{5DCC7AE5-7EF9-4964-8408-F84B72D5D253}"/>
-              </a:ext>
-            </a:extLst>
-          </p:cNvPr>
+          <p:cNvPr id="4" name="标题 3"/>
           <p:cNvSpPr>
             <a:spLocks noGrp="1"/>
           </p:cNvSpPr>
@@ -7879,6 +10011,7 @@
               <a:rPr lang="zh-CN" altLang="en-US"/>
               <a:t>设计模式</a:t>
             </a:r>
+            <a:endParaRPr lang="zh-CN" altLang="en-US"/>
           </a:p>
         </p:txBody>
       </p:sp>
@@ -7908,7 +10041,7 @@
               <a:lnSpc>
                 <a:spcPts val="2200"/>
               </a:lnSpc>
-              <a:buFont typeface="Wingdings" charset="2"/>
+              <a:buFont typeface="Wingdings" panose="05000000000000000000" pitchFamily="2" charset="2"/>
               <a:buChar char="n"/>
             </a:pPr>
             <a:r>
@@ -7992,7 +10125,7 @@
               <a:lnSpc>
                 <a:spcPts val="2200"/>
               </a:lnSpc>
-              <a:buFont typeface="Wingdings" charset="2"/>
+              <a:buFont typeface="Wingdings" panose="05000000000000000000" pitchFamily="2" charset="2"/>
               <a:buChar char="p"/>
             </a:pPr>
             <a:r>
@@ -8024,7 +10157,7 @@
               <a:lnSpc>
                 <a:spcPts val="2200"/>
               </a:lnSpc>
-              <a:buFont typeface="Wingdings" charset="2"/>
+              <a:buFont typeface="Wingdings" panose="05000000000000000000" pitchFamily="2" charset="2"/>
               <a:buChar char="p"/>
             </a:pPr>
             <a:r>
@@ -8056,7 +10189,7 @@
               <a:lnSpc>
                 <a:spcPts val="2200"/>
               </a:lnSpc>
-              <a:buFont typeface="Wingdings" charset="2"/>
+              <a:buFont typeface="Wingdings" panose="05000000000000000000" pitchFamily="2" charset="2"/>
               <a:buChar char="p"/>
             </a:pPr>
             <a:r>
@@ -8088,7 +10221,7 @@
               <a:lnSpc>
                 <a:spcPts val="2200"/>
               </a:lnSpc>
-              <a:buFont typeface="Wingdings" charset="2"/>
+              <a:buFont typeface="Wingdings" panose="05000000000000000000" pitchFamily="2" charset="2"/>
               <a:buChar char="p"/>
             </a:pPr>
             <a:endParaRPr lang="en-US" altLang="zh-CN" sz="1600">
@@ -8107,7 +10240,7 @@
               <a:lnSpc>
                 <a:spcPts val="2200"/>
               </a:lnSpc>
-              <a:buFont typeface="Wingdings" charset="2"/>
+              <a:buFont typeface="Wingdings" panose="05000000000000000000" pitchFamily="2" charset="2"/>
               <a:buChar char="n"/>
             </a:pPr>
             <a:r>
@@ -8139,7 +10272,7 @@
               <a:lnSpc>
                 <a:spcPts val="2200"/>
               </a:lnSpc>
-              <a:buFont typeface="Wingdings" charset="2"/>
+              <a:buFont typeface="Wingdings" panose="05000000000000000000" pitchFamily="2" charset="2"/>
               <a:buChar char="p"/>
             </a:pPr>
             <a:r>
@@ -8171,7 +10304,7 @@
               <a:lnSpc>
                 <a:spcPts val="2200"/>
               </a:lnSpc>
-              <a:buFont typeface="Wingdings" charset="2"/>
+              <a:buFont typeface="Wingdings" panose="05000000000000000000" pitchFamily="2" charset="2"/>
               <a:buChar char="ü"/>
             </a:pPr>
             <a:r>
@@ -8213,7 +10346,7 @@
               <a:lnSpc>
                 <a:spcPts val="2200"/>
               </a:lnSpc>
-              <a:buFont typeface="Wingdings" charset="2"/>
+              <a:buFont typeface="Wingdings" panose="05000000000000000000" pitchFamily="2" charset="2"/>
               <a:buChar char="p"/>
             </a:pPr>
             <a:endParaRPr lang="en-US" altLang="zh-CN" sz="1600">
@@ -8232,7 +10365,7 @@
               <a:lnSpc>
                 <a:spcPts val="2200"/>
               </a:lnSpc>
-              <a:buFont typeface="Wingdings" charset="2"/>
+              <a:buFont typeface="Wingdings" panose="05000000000000000000" pitchFamily="2" charset="2"/>
               <a:buChar char="p"/>
             </a:pPr>
             <a:r>
@@ -8264,7 +10397,7 @@
               <a:lnSpc>
                 <a:spcPts val="2200"/>
               </a:lnSpc>
-              <a:buFont typeface="Wingdings" charset="2"/>
+              <a:buFont typeface="Wingdings" panose="05000000000000000000" pitchFamily="2" charset="2"/>
               <a:buChar char="ü"/>
             </a:pPr>
             <a:r>
@@ -8296,7 +10429,7 @@
               <a:lnSpc>
                 <a:spcPts val="2200"/>
               </a:lnSpc>
-              <a:buFont typeface="Wingdings" charset="2"/>
+              <a:buFont typeface="Wingdings" panose="05000000000000000000" pitchFamily="2" charset="2"/>
               <a:buChar char="p"/>
             </a:pPr>
             <a:endParaRPr lang="en-US" altLang="zh-CN" sz="1600">
@@ -8315,7 +10448,7 @@
               <a:lnSpc>
                 <a:spcPts val="2200"/>
               </a:lnSpc>
-              <a:buFont typeface="Wingdings" charset="2"/>
+              <a:buFont typeface="Wingdings" panose="05000000000000000000" pitchFamily="2" charset="2"/>
               <a:buChar char="p"/>
             </a:pPr>
             <a:r>
@@ -8347,7 +10480,7 @@
               <a:lnSpc>
                 <a:spcPts val="2200"/>
               </a:lnSpc>
-              <a:buFont typeface="Wingdings" charset="2"/>
+              <a:buFont typeface="Wingdings" panose="05000000000000000000" pitchFamily="2" charset="2"/>
               <a:buChar char="ü"/>
             </a:pPr>
             <a:r>
@@ -8387,11 +10520,6 @@
         </p:txBody>
       </p:sp>
     </p:spTree>
-    <p:extLst>
-      <p:ext uri="{BB962C8B-B14F-4D97-AF65-F5344CB8AC3E}">
-        <p14:creationId xmlns:p14="http://schemas.microsoft.com/office/powerpoint/2010/main" val="165899636"/>
-      </p:ext>
-    </p:extLst>
   </p:cSld>
   <p:clrMapOvr>
     <a:masterClrMapping/>
@@ -9351,11 +11479,9 @@
       </a:bgFillStyleLst>
     </a:fmtScheme>
   </a:themeElements>
-  <a:objectDefaults/>
-  <a:extraClrSchemeLst/>
   <a:extLst>
     <a:ext uri="{05A4C25C-085E-4340-85A3-A5531E510DB2}">
-      <thm15:themeFamily xmlns:thm15="http://schemas.microsoft.com/office/thememl/2012/main" name="2017-Seemygo.potx" id="{3322639B-F8FE-4D8E-B95A-689F35BC92D4}" vid="{7BDECA8C-96EE-4475-8611-81F66AB506B9}"/>
+      <thm15:themeFamily xmlns:thm15="http://schemas.microsoft.com/office/thememl/2012/main" name="Office Theme" id="{62F939B6-93AF-4DB8-9C6B-D6C7DFDC589F}" vid="{4A3C46E8-61CC-4603-A589-7422A47A8E4A}"/>
     </a:ext>
   </a:extLst>
 </a:theme>
@@ -9612,8 +11738,6 @@
       </a:bgFillStyleLst>
     </a:fmtScheme>
   </a:themeElements>
-  <a:objectDefaults/>
-  <a:extraClrSchemeLst/>
   <a:extLst>
     <a:ext uri="{05A4C25C-085E-4340-85A3-A5531E510DB2}">
       <thm15:themeFamily xmlns:thm15="http://schemas.microsoft.com/office/thememl/2012/main" name="Office Theme" id="{62F939B6-93AF-4DB8-9C6B-D6C7DFDC589F}" vid="{4A3C46E8-61CC-4603-A589-7422A47A8E4A}"/>
@@ -9665,7 +11789,7 @@
     </a:clrScheme>
     <a:fontScheme name="Office">
       <a:majorFont>
-        <a:latin typeface="等线 Light" panose="020F0302020204030204"/>
+        <a:latin typeface="等线 Light"/>
         <a:ea typeface=""/>
         <a:cs typeface=""/>
         <a:font script="Jpan" typeface="游ゴシック Light"/>
@@ -9698,26 +11822,9 @@
         <a:font script="Viet" typeface="Times New Roman"/>
         <a:font script="Uigh" typeface="Microsoft Uighur"/>
         <a:font script="Geor" typeface="Sylfaen"/>
-        <a:font script="Armn" typeface="Arial"/>
-        <a:font script="Bugi" typeface="Leelawadee UI"/>
-        <a:font script="Bopo" typeface="Microsoft JhengHei"/>
-        <a:font script="Java" typeface="Javanese Text"/>
-        <a:font script="Lisu" typeface="Segoe UI"/>
-        <a:font script="Mymr" typeface="Myanmar Text"/>
-        <a:font script="Nkoo" typeface="Ebrima"/>
-        <a:font script="Olck" typeface="Nirmala UI"/>
-        <a:font script="Osma" typeface="Ebrima"/>
-        <a:font script="Phag" typeface="Phagspa"/>
-        <a:font script="Syrn" typeface="Estrangelo Edessa"/>
-        <a:font script="Syrj" typeface="Estrangelo Edessa"/>
-        <a:font script="Syre" typeface="Estrangelo Edessa"/>
-        <a:font script="Sora" typeface="Nirmala UI"/>
-        <a:font script="Tale" typeface="Microsoft Tai Le"/>
-        <a:font script="Talu" typeface="Microsoft New Tai Lue"/>
-        <a:font script="Tfng" typeface="Ebrima"/>
       </a:majorFont>
       <a:minorFont>
-        <a:latin typeface="等线" panose="020F0502020204030204"/>
+        <a:latin typeface="等线"/>
         <a:ea typeface=""/>
         <a:cs typeface=""/>
         <a:font script="Jpan" typeface="游ゴシック"/>
@@ -9750,23 +11857,6 @@
         <a:font script="Viet" typeface="Arial"/>
         <a:font script="Uigh" typeface="Microsoft Uighur"/>
         <a:font script="Geor" typeface="Sylfaen"/>
-        <a:font script="Armn" typeface="Arial"/>
-        <a:font script="Bugi" typeface="Leelawadee UI"/>
-        <a:font script="Bopo" typeface="Microsoft JhengHei"/>
-        <a:font script="Java" typeface="Javanese Text"/>
-        <a:font script="Lisu" typeface="Segoe UI"/>
-        <a:font script="Mymr" typeface="Myanmar Text"/>
-        <a:font script="Nkoo" typeface="Ebrima"/>
-        <a:font script="Olck" typeface="Nirmala UI"/>
-        <a:font script="Osma" typeface="Ebrima"/>
-        <a:font script="Phag" typeface="Phagspa"/>
-        <a:font script="Syrn" typeface="Estrangelo Edessa"/>
-        <a:font script="Syrj" typeface="Estrangelo Edessa"/>
-        <a:font script="Syre" typeface="Estrangelo Edessa"/>
-        <a:font script="Sora" typeface="Nirmala UI"/>
-        <a:font script="Tale" typeface="Microsoft Tai Le"/>
-        <a:font script="Talu" typeface="Microsoft New Tai Lue"/>
-        <a:font script="Tfng" typeface="Ebrima"/>
       </a:minorFont>
     </a:fontScheme>
     <a:fmtScheme name="Office">
@@ -9907,8 +11997,6 @@
       </a:bgFillStyleLst>
     </a:fmtScheme>
   </a:themeElements>
-  <a:objectDefaults/>
-  <a:extraClrSchemeLst/>
   <a:extLst>
     <a:ext uri="{05A4C25C-085E-4340-85A3-A5531E510DB2}">
       <thm15:themeFamily xmlns:thm15="http://schemas.microsoft.com/office/thememl/2012/main" name="Office Theme" id="{62F939B6-93AF-4DB8-9C6B-D6C7DFDC589F}" vid="{4A3C46E8-61CC-4603-A589-7422A47A8E4A}"/>
